--- a/React/react.pptx
+++ b/React/react.pptx
@@ -19,30 +19,31 @@
     <p:sldId id="271" r:id="rId13"/>
     <p:sldId id="267" r:id="rId14"/>
     <p:sldId id="277" r:id="rId15"/>
-    <p:sldId id="263" r:id="rId16"/>
-    <p:sldId id="264" r:id="rId17"/>
-    <p:sldId id="268" r:id="rId18"/>
-    <p:sldId id="269" r:id="rId19"/>
-    <p:sldId id="270" r:id="rId20"/>
-    <p:sldId id="272" r:id="rId21"/>
-    <p:sldId id="273" r:id="rId22"/>
+    <p:sldId id="278" r:id="rId16"/>
+    <p:sldId id="263" r:id="rId17"/>
+    <p:sldId id="264" r:id="rId18"/>
+    <p:sldId id="268" r:id="rId19"/>
+    <p:sldId id="269" r:id="rId20"/>
+    <p:sldId id="270" r:id="rId21"/>
+    <p:sldId id="272" r:id="rId22"/>
+    <p:sldId id="273" r:id="rId23"/>
   </p:sldIdLst>
   <p:sldSz cx="12192000" cy="6858000"/>
   <p:notesSz cx="6858000" cy="9144000"/>
   <p:embeddedFontLst>
     <p:embeddedFont>
       <p:font typeface="Bookman Old Style" panose="02050604050505020204" pitchFamily="18" charset="0"/>
-      <p:regular r:id="rId23"/>
-      <p:bold r:id="rId24"/>
-      <p:italic r:id="rId25"/>
-      <p:boldItalic r:id="rId26"/>
+      <p:regular r:id="rId24"/>
+      <p:bold r:id="rId25"/>
+      <p:italic r:id="rId26"/>
+      <p:boldItalic r:id="rId27"/>
     </p:embeddedFont>
     <p:embeddedFont>
       <p:font typeface="Rockwell" panose="02060603020205020403" pitchFamily="18" charset="77"/>
-      <p:regular r:id="rId27"/>
-      <p:bold r:id="rId28"/>
-      <p:italic r:id="rId29"/>
-      <p:boldItalic r:id="rId30"/>
+      <p:regular r:id="rId28"/>
+      <p:bold r:id="rId29"/>
+      <p:italic r:id="rId30"/>
+      <p:boldItalic r:id="rId31"/>
     </p:embeddedFont>
   </p:embeddedFontLst>
   <p:defaultTextStyle>
@@ -6993,10 +6994,10 @@
       </p:sp>
       <p:sp>
         <p:nvSpPr>
-          <p:cNvPr id="11" name="תרשים זרימה: דיסק מגנטי 10">
-            <a:extLst>
-              <a:ext uri="{FF2B5EF4-FFF2-40B4-BE49-F238E27FC236}">
-                <a16:creationId xmlns:a16="http://schemas.microsoft.com/office/drawing/2014/main" id="{FE99DF52-A35E-490E-A0DE-A150FC96E4AD}"/>
+          <p:cNvPr id="13" name="מלבן 12">
+            <a:extLst>
+              <a:ext uri="{FF2B5EF4-FFF2-40B4-BE49-F238E27FC236}">
+                <a16:creationId xmlns:a16="http://schemas.microsoft.com/office/drawing/2014/main" id="{9C4C2747-E6A7-4F22-90EE-91404527543B}"/>
               </a:ext>
             </a:extLst>
           </p:cNvPr>
@@ -7005,10 +7006,10 @@
         </p:nvSpPr>
         <p:spPr>
           <a:xfrm>
-            <a:off x="8462962" y="2030412"/>
-            <a:ext cx="914400" cy="1178754"/>
-          </a:xfrm>
-          <a:prstGeom prst="flowChartMagneticDisk">
+            <a:off x="3578085" y="3726621"/>
+            <a:ext cx="1365249" cy="2086735"/>
+          </a:xfrm>
+          <a:prstGeom prst="rect">
             <a:avLst/>
           </a:prstGeom>
         </p:spPr>
@@ -7033,59 +7034,20 @@
           <a:lstStyle/>
           <a:p>
             <a:pPr algn="ctr"/>
-            <a:endParaRPr lang="he-IL"/>
-          </a:p>
-        </p:txBody>
-      </p:sp>
-      <p:cxnSp>
-        <p:nvCxnSpPr>
-          <p:cNvPr id="14" name="מחבר חץ ישר 13">
-            <a:extLst>
-              <a:ext uri="{FF2B5EF4-FFF2-40B4-BE49-F238E27FC236}">
-                <a16:creationId xmlns:a16="http://schemas.microsoft.com/office/drawing/2014/main" id="{44D9D10D-48AB-42CF-AC0C-7D76596A40C3}"/>
-              </a:ext>
-            </a:extLst>
-          </p:cNvPr>
-          <p:cNvCxnSpPr>
-            <a:cxnSpLocks/>
-            <a:stCxn id="11" idx="3"/>
-            <a:endCxn id="19" idx="0"/>
-          </p:cNvCxnSpPr>
-          <p:nvPr/>
-        </p:nvCxnSpPr>
-        <p:spPr>
-          <a:xfrm>
-            <a:off x="8920162" y="3209166"/>
-            <a:ext cx="658812" cy="1125086"/>
-          </a:xfrm>
-          <a:prstGeom prst="straightConnector1">
-            <a:avLst/>
-          </a:prstGeom>
-          <a:ln>
-            <a:tailEnd type="triangle"/>
-          </a:ln>
-        </p:spPr>
-        <p:style>
-          <a:lnRef idx="1">
-            <a:schemeClr val="accent1"/>
-          </a:lnRef>
-          <a:fillRef idx="0">
-            <a:schemeClr val="accent1"/>
-          </a:fillRef>
-          <a:effectRef idx="0">
-            <a:schemeClr val="accent1"/>
-          </a:effectRef>
-          <a:fontRef idx="minor">
-            <a:schemeClr val="tx1"/>
-          </a:fontRef>
-        </p:style>
-      </p:cxnSp>
-      <p:sp>
-        <p:nvSpPr>
-          <p:cNvPr id="13" name="מלבן 12">
-            <a:extLst>
-              <a:ext uri="{FF2B5EF4-FFF2-40B4-BE49-F238E27FC236}">
-                <a16:creationId xmlns:a16="http://schemas.microsoft.com/office/drawing/2014/main" id="{9C4C2747-E6A7-4F22-90EE-91404527543B}"/>
+            <a:r>
+              <a:rPr lang="en-US" dirty="0"/>
+              <a:t>Page 1</a:t>
+            </a:r>
+            <a:endParaRPr lang="he-IL" dirty="0"/>
+          </a:p>
+        </p:txBody>
+      </p:sp>
+      <p:sp>
+        <p:nvSpPr>
+          <p:cNvPr id="17" name="מלבן 16">
+            <a:extLst>
+              <a:ext uri="{FF2B5EF4-FFF2-40B4-BE49-F238E27FC236}">
+                <a16:creationId xmlns:a16="http://schemas.microsoft.com/office/drawing/2014/main" id="{6CA56C5C-8015-414D-991C-4DBB71BACBA8}"/>
               </a:ext>
             </a:extLst>
           </p:cNvPr>
@@ -7094,7 +7056,7 @@
         </p:nvSpPr>
         <p:spPr>
           <a:xfrm>
-            <a:off x="3578085" y="3726621"/>
+            <a:off x="3730485" y="3879021"/>
             <a:ext cx="1365249" cy="2086735"/>
           </a:xfrm>
           <a:prstGeom prst="rect">
@@ -7132,10 +7094,10 @@
       </p:sp>
       <p:sp>
         <p:nvSpPr>
-          <p:cNvPr id="17" name="מלבן 16">
-            <a:extLst>
-              <a:ext uri="{FF2B5EF4-FFF2-40B4-BE49-F238E27FC236}">
-                <a16:creationId xmlns:a16="http://schemas.microsoft.com/office/drawing/2014/main" id="{6CA56C5C-8015-414D-991C-4DBB71BACBA8}"/>
+          <p:cNvPr id="18" name="מלבן 17">
+            <a:extLst>
+              <a:ext uri="{FF2B5EF4-FFF2-40B4-BE49-F238E27FC236}">
+                <a16:creationId xmlns:a16="http://schemas.microsoft.com/office/drawing/2014/main" id="{BD4B9B1A-B616-4FDB-B6E5-3EC821EAA3DF}"/>
               </a:ext>
             </a:extLst>
           </p:cNvPr>
@@ -7144,7 +7106,7 @@
         </p:nvSpPr>
         <p:spPr>
           <a:xfrm>
-            <a:off x="3730485" y="3879021"/>
+            <a:off x="3882885" y="4031421"/>
             <a:ext cx="1365249" cy="2086735"/>
           </a:xfrm>
           <a:prstGeom prst="rect">
@@ -7182,10 +7144,10 @@
       </p:sp>
       <p:sp>
         <p:nvSpPr>
-          <p:cNvPr id="18" name="מלבן 17">
-            <a:extLst>
-              <a:ext uri="{FF2B5EF4-FFF2-40B4-BE49-F238E27FC236}">
-                <a16:creationId xmlns:a16="http://schemas.microsoft.com/office/drawing/2014/main" id="{BD4B9B1A-B616-4FDB-B6E5-3EC821EAA3DF}"/>
+          <p:cNvPr id="19" name="מלבן 18">
+            <a:extLst>
+              <a:ext uri="{FF2B5EF4-FFF2-40B4-BE49-F238E27FC236}">
+                <a16:creationId xmlns:a16="http://schemas.microsoft.com/office/drawing/2014/main" id="{935593BE-FF5E-48CA-9248-05FCB24E5FAD}"/>
               </a:ext>
             </a:extLst>
           </p:cNvPr>
@@ -7194,7 +7156,7 @@
         </p:nvSpPr>
         <p:spPr>
           <a:xfrm>
-            <a:off x="3882885" y="4031421"/>
+            <a:off x="8896349" y="4334252"/>
             <a:ext cx="1365249" cy="2086735"/>
           </a:xfrm>
           <a:prstGeom prst="rect">
@@ -7224,7 +7186,7 @@
             <a:pPr algn="ctr"/>
             <a:r>
               <a:rPr lang="en-US" dirty="0"/>
-              <a:t>Page 1</a:t>
+              <a:t>Page 3</a:t>
             </a:r>
             <a:endParaRPr lang="he-IL" dirty="0"/>
           </a:p>
@@ -7232,10 +7194,10 @@
       </p:sp>
       <p:sp>
         <p:nvSpPr>
-          <p:cNvPr id="19" name="מלבן 18">
-            <a:extLst>
-              <a:ext uri="{FF2B5EF4-FFF2-40B4-BE49-F238E27FC236}">
-                <a16:creationId xmlns:a16="http://schemas.microsoft.com/office/drawing/2014/main" id="{935593BE-FF5E-48CA-9248-05FCB24E5FAD}"/>
+          <p:cNvPr id="22" name="תרשים זרימה: דיסק מגנטי 21">
+            <a:extLst>
+              <a:ext uri="{FF2B5EF4-FFF2-40B4-BE49-F238E27FC236}">
+                <a16:creationId xmlns:a16="http://schemas.microsoft.com/office/drawing/2014/main" id="{A2026437-4DD2-4487-9691-A1DED43667F5}"/>
               </a:ext>
             </a:extLst>
           </p:cNvPr>
@@ -7244,10 +7206,10 @@
         </p:nvSpPr>
         <p:spPr>
           <a:xfrm>
-            <a:off x="8896349" y="4334252"/>
-            <a:ext cx="1365249" cy="2086735"/>
-          </a:xfrm>
-          <a:prstGeom prst="rect">
+            <a:off x="8565931" y="2048717"/>
+            <a:ext cx="1927441" cy="1178754"/>
+          </a:xfrm>
+          <a:prstGeom prst="flowChartMagneticDisk">
             <a:avLst/>
           </a:prstGeom>
         </p:spPr>
@@ -7274,56 +7236,6 @@
             <a:pPr algn="ctr"/>
             <a:r>
               <a:rPr lang="en-US" dirty="0"/>
-              <a:t>Page 3</a:t>
-            </a:r>
-            <a:endParaRPr lang="he-IL" dirty="0"/>
-          </a:p>
-        </p:txBody>
-      </p:sp>
-      <p:sp>
-        <p:nvSpPr>
-          <p:cNvPr id="22" name="תרשים זרימה: דיסק מגנטי 21">
-            <a:extLst>
-              <a:ext uri="{FF2B5EF4-FFF2-40B4-BE49-F238E27FC236}">
-                <a16:creationId xmlns:a16="http://schemas.microsoft.com/office/drawing/2014/main" id="{A2026437-4DD2-4487-9691-A1DED43667F5}"/>
-              </a:ext>
-            </a:extLst>
-          </p:cNvPr>
-          <p:cNvSpPr/>
-          <p:nvPr/>
-        </p:nvSpPr>
-        <p:spPr>
-          <a:xfrm>
-            <a:off x="10843418" y="4785033"/>
-            <a:ext cx="914400" cy="1178754"/>
-          </a:xfrm>
-          <a:prstGeom prst="flowChartMagneticDisk">
-            <a:avLst/>
-          </a:prstGeom>
-        </p:spPr>
-        <p:style>
-          <a:lnRef idx="2">
-            <a:schemeClr val="accent1">
-              <a:shade val="50000"/>
-            </a:schemeClr>
-          </a:lnRef>
-          <a:fillRef idx="1">
-            <a:schemeClr val="accent1"/>
-          </a:fillRef>
-          <a:effectRef idx="0">
-            <a:schemeClr val="accent1"/>
-          </a:effectRef>
-          <a:fontRef idx="minor">
-            <a:schemeClr val="lt1"/>
-          </a:fontRef>
-        </p:style>
-        <p:txBody>
-          <a:bodyPr rtlCol="1" anchor="ctr"/>
-          <a:lstStyle/>
-          <a:p>
-            <a:pPr algn="ctr"/>
-            <a:r>
-              <a:rPr lang="en-US" dirty="0"/>
               <a:t>app state</a:t>
             </a:r>
             <a:endParaRPr lang="he-IL" dirty="0"/>
@@ -7340,15 +7252,16 @@
             </a:extLst>
           </p:cNvPr>
           <p:cNvCxnSpPr>
-            <a:stCxn id="22" idx="2"/>
-            <a:endCxn id="19" idx="3"/>
+            <a:cxnSpLocks/>
+            <a:stCxn id="22" idx="3"/>
+            <a:endCxn id="19" idx="0"/>
           </p:cNvCxnSpPr>
           <p:nvPr/>
         </p:nvCxnSpPr>
         <p:spPr>
-          <a:xfrm flipH="1">
-            <a:off x="10261598" y="5374410"/>
-            <a:ext cx="581820" cy="3210"/>
+          <a:xfrm>
+            <a:off x="9529652" y="3227471"/>
+            <a:ext cx="49322" cy="1106781"/>
           </a:xfrm>
           <a:prstGeom prst="line">
             <a:avLst/>
@@ -7838,179 +7751,6 @@
             <a:r>
               <a:rPr lang="en-US" dirty="0"/>
               <a:t>JS (Bundle)</a:t>
-            </a:r>
-            <a:endParaRPr lang="he-IL" dirty="0"/>
-          </a:p>
-        </p:txBody>
-      </p:sp>
-      <p:sp>
-        <p:nvSpPr>
-          <p:cNvPr id="31" name="TextBox 27">
-            <a:extLst>
-              <a:ext uri="{FF2B5EF4-FFF2-40B4-BE49-F238E27FC236}">
-                <a16:creationId xmlns:a16="http://schemas.microsoft.com/office/drawing/2014/main" id="{6A97D9A4-5C2C-4E2E-B1F5-8A0BDC2C65A9}"/>
-              </a:ext>
-            </a:extLst>
-          </p:cNvPr>
-          <p:cNvSpPr txBox="1"/>
-          <p:nvPr/>
-        </p:nvSpPr>
-        <p:spPr>
-          <a:xfrm>
-            <a:off x="6354615" y="2545521"/>
-            <a:ext cx="1624013" cy="369332"/>
-          </a:xfrm>
-          <a:prstGeom prst="rect">
-            <a:avLst/>
-          </a:prstGeom>
-          <a:solidFill>
-            <a:srgbClr val="EBC48A">
-              <a:alpha val="60000"/>
-            </a:srgbClr>
-          </a:solidFill>
-        </p:spPr>
-        <p:txBody>
-          <a:bodyPr wrap="square" rtlCol="1">
-            <a:spAutoFit/>
-          </a:bodyPr>
-          <a:lstStyle/>
-          <a:p>
-            <a:pPr algn="ctr"/>
-            <a:r>
-              <a:rPr lang="en-US" dirty="0"/>
-              <a:t>Router</a:t>
-            </a:r>
-            <a:endParaRPr lang="he-IL" dirty="0"/>
-          </a:p>
-        </p:txBody>
-      </p:sp>
-      <p:cxnSp>
-        <p:nvCxnSpPr>
-          <p:cNvPr id="20" name="מחבר ישר 19">
-            <a:extLst>
-              <a:ext uri="{FF2B5EF4-FFF2-40B4-BE49-F238E27FC236}">
-                <a16:creationId xmlns:a16="http://schemas.microsoft.com/office/drawing/2014/main" id="{68944C7F-760E-40CB-9FED-1F6BFB168A03}"/>
-              </a:ext>
-            </a:extLst>
-          </p:cNvPr>
-          <p:cNvCxnSpPr>
-            <a:stCxn id="31" idx="2"/>
-            <a:endCxn id="9" idx="3"/>
-          </p:cNvCxnSpPr>
-          <p:nvPr/>
-        </p:nvCxnSpPr>
-        <p:spPr>
-          <a:xfrm flipH="1">
-            <a:off x="5584874" y="2914853"/>
-            <a:ext cx="1581748" cy="2010141"/>
-          </a:xfrm>
-          <a:prstGeom prst="line">
-            <a:avLst/>
-          </a:prstGeom>
-          <a:ln>
-            <a:prstDash val="dashDot"/>
-          </a:ln>
-        </p:spPr>
-        <p:style>
-          <a:lnRef idx="1">
-            <a:schemeClr val="accent1"/>
-          </a:lnRef>
-          <a:fillRef idx="0">
-            <a:schemeClr val="accent1"/>
-          </a:fillRef>
-          <a:effectRef idx="0">
-            <a:schemeClr val="accent1"/>
-          </a:effectRef>
-          <a:fontRef idx="minor">
-            <a:schemeClr val="tx1"/>
-          </a:fontRef>
-        </p:style>
-      </p:cxnSp>
-      <p:cxnSp>
-        <p:nvCxnSpPr>
-          <p:cNvPr id="24" name="מחבר ישר 23">
-            <a:extLst>
-              <a:ext uri="{FF2B5EF4-FFF2-40B4-BE49-F238E27FC236}">
-                <a16:creationId xmlns:a16="http://schemas.microsoft.com/office/drawing/2014/main" id="{3FF523DC-87EF-4382-8574-21BB67C9DC95}"/>
-              </a:ext>
-            </a:extLst>
-          </p:cNvPr>
-          <p:cNvCxnSpPr>
-            <a:stCxn id="31" idx="2"/>
-            <a:endCxn id="19" idx="1"/>
-          </p:cNvCxnSpPr>
-          <p:nvPr/>
-        </p:nvCxnSpPr>
-        <p:spPr>
-          <a:xfrm>
-            <a:off x="7166622" y="2914853"/>
-            <a:ext cx="1729727" cy="2462767"/>
-          </a:xfrm>
-          <a:prstGeom prst="line">
-            <a:avLst/>
-          </a:prstGeom>
-          <a:ln>
-            <a:prstDash val="dashDot"/>
-          </a:ln>
-        </p:spPr>
-        <p:style>
-          <a:lnRef idx="1">
-            <a:schemeClr val="accent1"/>
-          </a:lnRef>
-          <a:fillRef idx="0">
-            <a:schemeClr val="accent1"/>
-          </a:fillRef>
-          <a:effectRef idx="0">
-            <a:schemeClr val="accent1"/>
-          </a:effectRef>
-          <a:fontRef idx="minor">
-            <a:schemeClr val="tx1"/>
-          </a:fontRef>
-        </p:style>
-      </p:cxnSp>
-      <p:sp>
-        <p:nvSpPr>
-          <p:cNvPr id="32" name="TextBox 27">
-            <a:extLst>
-              <a:ext uri="{FF2B5EF4-FFF2-40B4-BE49-F238E27FC236}">
-                <a16:creationId xmlns:a16="http://schemas.microsoft.com/office/drawing/2014/main" id="{67B293B1-7BB9-464B-BE7A-A8C33B5F2D50}"/>
-              </a:ext>
-            </a:extLst>
-          </p:cNvPr>
-          <p:cNvSpPr txBox="1"/>
-          <p:nvPr/>
-        </p:nvSpPr>
-        <p:spPr>
-          <a:xfrm>
-            <a:off x="7530139" y="5544733"/>
-            <a:ext cx="1624013" cy="923330"/>
-          </a:xfrm>
-          <a:prstGeom prst="rect">
-            <a:avLst/>
-          </a:prstGeom>
-          <a:noFill/>
-        </p:spPr>
-        <p:txBody>
-          <a:bodyPr wrap="square" rtlCol="1">
-            <a:spAutoFit/>
-          </a:bodyPr>
-          <a:lstStyle/>
-          <a:p>
-            <a:r>
-              <a:rPr lang="en-US" dirty="0"/>
-              <a:t>Mount</a:t>
-            </a:r>
-          </a:p>
-          <a:p>
-            <a:r>
-              <a:rPr lang="en-US" dirty="0"/>
-              <a:t>Update</a:t>
-            </a:r>
-          </a:p>
-          <a:p>
-            <a:r>
-              <a:rPr lang="en-US" dirty="0" err="1"/>
-              <a:t>UnMount</a:t>
             </a:r>
             <a:endParaRPr lang="he-IL" dirty="0"/>
           </a:p>
@@ -8030,7 +7770,7 @@
 </file>
 
 <file path=ppt/slides/slide13.xml><?xml version="1.0" encoding="utf-8"?>
-<p:sld xmlns:a="http://schemas.openxmlformats.org/drawingml/2006/main" xmlns:r="http://schemas.openxmlformats.org/officeDocument/2006/relationships" xmlns:p="http://schemas.openxmlformats.org/presentationml/2006/main">
+<p:sld xmlns:a="http://schemas.openxmlformats.org/drawingml/2006/main" xmlns:r="http://schemas.openxmlformats.org/officeDocument/2006/relationships" xmlns:p="http://schemas.openxmlformats.org/presentationml/2006/main" show="0">
   <p:cSld>
     <p:bg>
       <p:bgPr>
@@ -10167,6 +9907,28 @@
 <file path=ppt/slides/slide15.xml><?xml version="1.0" encoding="utf-8"?>
 <p:sld xmlns:a="http://schemas.openxmlformats.org/drawingml/2006/main" xmlns:r="http://schemas.openxmlformats.org/officeDocument/2006/relationships" xmlns:p="http://schemas.openxmlformats.org/presentationml/2006/main">
   <p:cSld>
+    <p:bg>
+      <p:bgPr>
+        <a:blipFill rotWithShape="1">
+          <a:blip r:embed="rId2">
+            <a:duotone>
+              <a:schemeClr val="bg2">
+                <a:shade val="18000"/>
+                <a:satMod val="160000"/>
+                <a:lumMod val="28000"/>
+              </a:schemeClr>
+              <a:schemeClr val="bg2">
+                <a:tint val="95000"/>
+                <a:satMod val="160000"/>
+                <a:lumMod val="116000"/>
+              </a:schemeClr>
+            </a:duotone>
+          </a:blip>
+          <a:stretch/>
+        </a:blipFill>
+        <a:effectLst/>
+      </p:bgPr>
+    </p:bg>
     <p:spTree>
       <p:nvGrpSpPr>
         <p:cNvPr id="1" name=""/>
@@ -10181,12 +9943,72 @@
           <a:chExt cx="0" cy="0"/>
         </a:xfrm>
       </p:grpSpPr>
+      <p:sp useBgFill="1">
+        <p:nvSpPr>
+          <p:cNvPr id="8" name="Rectangle 7">
+            <a:extLst>
+              <a:ext uri="{FF2B5EF4-FFF2-40B4-BE49-F238E27FC236}">
+                <a16:creationId xmlns:a16="http://schemas.microsoft.com/office/drawing/2014/main" id="{3BFBA67F-0D4D-4C2E-A1D7-82D080A4B3AD}"/>
+              </a:ext>
+              <a:ext uri="{C183D7F6-B498-43B3-948B-1728B52AA6E4}">
+                <adec:decorative xmlns:adec="http://schemas.microsoft.com/office/drawing/2017/decorative" val="1"/>
+              </a:ext>
+            </a:extLst>
+          </p:cNvPr>
+          <p:cNvSpPr>
+            <a:spLocks noGrp="1" noRot="1" noChangeAspect="1" noMove="1" noResize="1" noEditPoints="1" noAdjustHandles="1" noChangeArrowheads="1" noChangeShapeType="1" noTextEdit="1"/>
+          </p:cNvSpPr>
+          <p:nvPr>
+            <p:extLst>
+              <p:ext uri="{386F3935-93C4-4BCD-93E2-E3B085C9AB24}">
+                <p16:designElem xmlns:p16="http://schemas.microsoft.com/office/powerpoint/2015/main" val="1"/>
+              </p:ext>
+            </p:extLst>
+          </p:nvPr>
+        </p:nvSpPr>
+        <p:spPr>
+          <a:xfrm>
+            <a:off x="0" y="0"/>
+            <a:ext cx="12192000" cy="6858000"/>
+          </a:xfrm>
+          <a:prstGeom prst="rect">
+            <a:avLst/>
+          </a:prstGeom>
+          <a:ln>
+            <a:noFill/>
+          </a:ln>
+        </p:spPr>
+        <p:style>
+          <a:lnRef idx="2">
+            <a:schemeClr val="accent1">
+              <a:shade val="50000"/>
+            </a:schemeClr>
+          </a:lnRef>
+          <a:fillRef idx="1">
+            <a:schemeClr val="accent1"/>
+          </a:fillRef>
+          <a:effectRef idx="0">
+            <a:schemeClr val="accent1"/>
+          </a:effectRef>
+          <a:fontRef idx="minor">
+            <a:schemeClr val="lt1"/>
+          </a:fontRef>
+        </p:style>
+        <p:txBody>
+          <a:bodyPr rtlCol="0" anchor="ctr"/>
+          <a:lstStyle/>
+          <a:p>
+            <a:pPr algn="ctr"/>
+            <a:endParaRPr lang="en-US"/>
+          </a:p>
+        </p:txBody>
+      </p:sp>
       <p:sp>
         <p:nvSpPr>
           <p:cNvPr id="2" name="כותרת 1">
             <a:extLst>
               <a:ext uri="{FF2B5EF4-FFF2-40B4-BE49-F238E27FC236}">
-                <a16:creationId xmlns:a16="http://schemas.microsoft.com/office/drawing/2014/main" id="{A4C6782C-992C-4CC4-ACC3-A321A228C4B1}"/>
+                <a16:creationId xmlns:a16="http://schemas.microsoft.com/office/drawing/2014/main" id="{D8B5AC4C-BAFA-4D9D-9FE4-D33C3994D036}"/>
               </a:ext>
             </a:extLst>
           </p:cNvPr>
@@ -10197,55 +10019,687 @@
             <p:ph type="title"/>
           </p:nvPr>
         </p:nvSpPr>
-        <p:spPr/>
-        <p:txBody>
-          <a:bodyPr/>
+        <p:spPr>
+          <a:xfrm>
+            <a:off x="913795" y="609600"/>
+            <a:ext cx="10353761" cy="1326321"/>
+          </a:xfrm>
+        </p:spPr>
+        <p:txBody>
+          <a:bodyPr>
+            <a:normAutofit/>
+          </a:bodyPr>
           <a:lstStyle/>
           <a:p>
             <a:r>
               <a:rPr lang="en-US" dirty="0"/>
-              <a:t>React: elements and JSX</a:t>
+              <a:t>SPA – Mount, update, unmount</a:t>
             </a:r>
             <a:endParaRPr lang="he-IL" dirty="0"/>
           </a:p>
         </p:txBody>
       </p:sp>
-      <p:pic>
-        <p:nvPicPr>
-          <p:cNvPr id="4" name="תמונה 3">
-            <a:extLst>
-              <a:ext uri="{FF2B5EF4-FFF2-40B4-BE49-F238E27FC236}">
-                <a16:creationId xmlns:a16="http://schemas.microsoft.com/office/drawing/2014/main" id="{473B4579-4DDE-49CF-BB98-C15F1AD8C657}"/>
-              </a:ext>
-            </a:extLst>
-          </p:cNvPr>
-          <p:cNvPicPr>
-            <a:picLocks noChangeAspect="1"/>
-          </p:cNvPicPr>
-          <p:nvPr/>
-        </p:nvPicPr>
-        <p:blipFill>
-          <a:blip r:embed="rId2"/>
-          <a:stretch>
-            <a:fillRect/>
-          </a:stretch>
-        </p:blipFill>
-        <p:spPr>
-          <a:xfrm>
-            <a:off x="913795" y="3429000"/>
-            <a:ext cx="5143500" cy="2276475"/>
+      <p:sp>
+        <p:nvSpPr>
+          <p:cNvPr id="10" name="Rectangle 9">
+            <a:extLst>
+              <a:ext uri="{FF2B5EF4-FFF2-40B4-BE49-F238E27FC236}">
+                <a16:creationId xmlns:a16="http://schemas.microsoft.com/office/drawing/2014/main" id="{EFA2AC96-1E47-421C-A03F-F98E354EB4E6}"/>
+              </a:ext>
+              <a:ext uri="{C183D7F6-B498-43B3-948B-1728B52AA6E4}">
+                <adec:decorative xmlns:adec="http://schemas.microsoft.com/office/drawing/2017/decorative" val="1"/>
+              </a:ext>
+            </a:extLst>
+          </p:cNvPr>
+          <p:cNvSpPr>
+            <a:spLocks noGrp="1" noRot="1" noChangeAspect="1" noMove="1" noResize="1" noEditPoints="1" noAdjustHandles="1" noChangeArrowheads="1" noChangeShapeType="1" noTextEdit="1"/>
+          </p:cNvSpPr>
+          <p:nvPr>
+            <p:extLst>
+              <p:ext uri="{386F3935-93C4-4BCD-93E2-E3B085C9AB24}">
+                <p16:designElem xmlns:p16="http://schemas.microsoft.com/office/powerpoint/2015/main" val="1"/>
+              </p:ext>
+            </p:extLst>
+          </p:nvPr>
+        </p:nvSpPr>
+        <p:spPr>
+          <a:xfrm>
+            <a:off x="0" y="2095500"/>
+            <a:ext cx="12192000" cy="4762500"/>
           </a:xfrm>
           <a:prstGeom prst="rect">
             <a:avLst/>
           </a:prstGeom>
-        </p:spPr>
-      </p:pic>
-      <p:sp>
-        <p:nvSpPr>
-          <p:cNvPr id="5" name="TextBox 4">
-            <a:extLst>
-              <a:ext uri="{FF2B5EF4-FFF2-40B4-BE49-F238E27FC236}">
-                <a16:creationId xmlns:a16="http://schemas.microsoft.com/office/drawing/2014/main" id="{5A2DD1BB-6B69-4F0A-9328-F9AC929D5284}"/>
+          <a:solidFill>
+            <a:schemeClr val="bg1">
+              <a:alpha val="50000"/>
+            </a:schemeClr>
+          </a:solidFill>
+          <a:ln>
+            <a:noFill/>
+          </a:ln>
+        </p:spPr>
+        <p:style>
+          <a:lnRef idx="2">
+            <a:schemeClr val="accent1">
+              <a:shade val="50000"/>
+            </a:schemeClr>
+          </a:lnRef>
+          <a:fillRef idx="1001">
+            <a:schemeClr val="dk1"/>
+          </a:fillRef>
+          <a:effectRef idx="0">
+            <a:schemeClr val="accent1"/>
+          </a:effectRef>
+          <a:fontRef idx="minor">
+            <a:schemeClr val="lt1"/>
+          </a:fontRef>
+        </p:style>
+        <p:txBody>
+          <a:bodyPr rtlCol="0" anchor="ctr"/>
+          <a:lstStyle/>
+          <a:p>
+            <a:pPr algn="ctr"/>
+            <a:endParaRPr lang="en-US"/>
+          </a:p>
+        </p:txBody>
+      </p:sp>
+      <p:sp>
+        <p:nvSpPr>
+          <p:cNvPr id="11" name="תרשים זרימה: דיסק מגנטי 10">
+            <a:extLst>
+              <a:ext uri="{FF2B5EF4-FFF2-40B4-BE49-F238E27FC236}">
+                <a16:creationId xmlns:a16="http://schemas.microsoft.com/office/drawing/2014/main" id="{FE99DF52-A35E-490E-A0DE-A150FC96E4AD}"/>
+              </a:ext>
+            </a:extLst>
+          </p:cNvPr>
+          <p:cNvSpPr/>
+          <p:nvPr/>
+        </p:nvSpPr>
+        <p:spPr>
+          <a:xfrm>
+            <a:off x="8462962" y="2030412"/>
+            <a:ext cx="914400" cy="1178754"/>
+          </a:xfrm>
+          <a:prstGeom prst="flowChartMagneticDisk">
+            <a:avLst/>
+          </a:prstGeom>
+        </p:spPr>
+        <p:style>
+          <a:lnRef idx="2">
+            <a:schemeClr val="accent1">
+              <a:shade val="50000"/>
+            </a:schemeClr>
+          </a:lnRef>
+          <a:fillRef idx="1">
+            <a:schemeClr val="accent1"/>
+          </a:fillRef>
+          <a:effectRef idx="0">
+            <a:schemeClr val="accent1"/>
+          </a:effectRef>
+          <a:fontRef idx="minor">
+            <a:schemeClr val="lt1"/>
+          </a:fontRef>
+        </p:style>
+        <p:txBody>
+          <a:bodyPr rtlCol="1" anchor="ctr"/>
+          <a:lstStyle/>
+          <a:p>
+            <a:pPr algn="ctr"/>
+            <a:endParaRPr lang="he-IL"/>
+          </a:p>
+        </p:txBody>
+      </p:sp>
+      <p:cxnSp>
+        <p:nvCxnSpPr>
+          <p:cNvPr id="14" name="מחבר חץ ישר 13">
+            <a:extLst>
+              <a:ext uri="{FF2B5EF4-FFF2-40B4-BE49-F238E27FC236}">
+                <a16:creationId xmlns:a16="http://schemas.microsoft.com/office/drawing/2014/main" id="{44D9D10D-48AB-42CF-AC0C-7D76596A40C3}"/>
+              </a:ext>
+            </a:extLst>
+          </p:cNvPr>
+          <p:cNvCxnSpPr>
+            <a:cxnSpLocks/>
+            <a:stCxn id="11" idx="3"/>
+            <a:endCxn id="19" idx="0"/>
+          </p:cNvCxnSpPr>
+          <p:nvPr/>
+        </p:nvCxnSpPr>
+        <p:spPr>
+          <a:xfrm>
+            <a:off x="8920162" y="3209166"/>
+            <a:ext cx="658812" cy="1125086"/>
+          </a:xfrm>
+          <a:prstGeom prst="straightConnector1">
+            <a:avLst/>
+          </a:prstGeom>
+          <a:ln>
+            <a:tailEnd type="triangle"/>
+          </a:ln>
+        </p:spPr>
+        <p:style>
+          <a:lnRef idx="1">
+            <a:schemeClr val="accent1"/>
+          </a:lnRef>
+          <a:fillRef idx="0">
+            <a:schemeClr val="accent1"/>
+          </a:fillRef>
+          <a:effectRef idx="0">
+            <a:schemeClr val="accent1"/>
+          </a:effectRef>
+          <a:fontRef idx="minor">
+            <a:schemeClr val="tx1"/>
+          </a:fontRef>
+        </p:style>
+      </p:cxnSp>
+      <p:sp>
+        <p:nvSpPr>
+          <p:cNvPr id="13" name="מלבן 12">
+            <a:extLst>
+              <a:ext uri="{FF2B5EF4-FFF2-40B4-BE49-F238E27FC236}">
+                <a16:creationId xmlns:a16="http://schemas.microsoft.com/office/drawing/2014/main" id="{9C4C2747-E6A7-4F22-90EE-91404527543B}"/>
+              </a:ext>
+            </a:extLst>
+          </p:cNvPr>
+          <p:cNvSpPr/>
+          <p:nvPr/>
+        </p:nvSpPr>
+        <p:spPr>
+          <a:xfrm>
+            <a:off x="3578085" y="3726621"/>
+            <a:ext cx="1365249" cy="2086735"/>
+          </a:xfrm>
+          <a:prstGeom prst="rect">
+            <a:avLst/>
+          </a:prstGeom>
+        </p:spPr>
+        <p:style>
+          <a:lnRef idx="2">
+            <a:schemeClr val="accent1">
+              <a:shade val="50000"/>
+            </a:schemeClr>
+          </a:lnRef>
+          <a:fillRef idx="1">
+            <a:schemeClr val="accent1"/>
+          </a:fillRef>
+          <a:effectRef idx="0">
+            <a:schemeClr val="accent1"/>
+          </a:effectRef>
+          <a:fontRef idx="minor">
+            <a:schemeClr val="lt1"/>
+          </a:fontRef>
+        </p:style>
+        <p:txBody>
+          <a:bodyPr rtlCol="1" anchor="ctr"/>
+          <a:lstStyle/>
+          <a:p>
+            <a:pPr algn="ctr"/>
+            <a:r>
+              <a:rPr lang="en-US" dirty="0"/>
+              <a:t>Page 1</a:t>
+            </a:r>
+            <a:endParaRPr lang="he-IL" dirty="0"/>
+          </a:p>
+        </p:txBody>
+      </p:sp>
+      <p:sp>
+        <p:nvSpPr>
+          <p:cNvPr id="17" name="מלבן 16">
+            <a:extLst>
+              <a:ext uri="{FF2B5EF4-FFF2-40B4-BE49-F238E27FC236}">
+                <a16:creationId xmlns:a16="http://schemas.microsoft.com/office/drawing/2014/main" id="{6CA56C5C-8015-414D-991C-4DBB71BACBA8}"/>
+              </a:ext>
+            </a:extLst>
+          </p:cNvPr>
+          <p:cNvSpPr/>
+          <p:nvPr/>
+        </p:nvSpPr>
+        <p:spPr>
+          <a:xfrm>
+            <a:off x="3730485" y="3879021"/>
+            <a:ext cx="1365249" cy="2086735"/>
+          </a:xfrm>
+          <a:prstGeom prst="rect">
+            <a:avLst/>
+          </a:prstGeom>
+        </p:spPr>
+        <p:style>
+          <a:lnRef idx="2">
+            <a:schemeClr val="accent1">
+              <a:shade val="50000"/>
+            </a:schemeClr>
+          </a:lnRef>
+          <a:fillRef idx="1">
+            <a:schemeClr val="accent1"/>
+          </a:fillRef>
+          <a:effectRef idx="0">
+            <a:schemeClr val="accent1"/>
+          </a:effectRef>
+          <a:fontRef idx="minor">
+            <a:schemeClr val="lt1"/>
+          </a:fontRef>
+        </p:style>
+        <p:txBody>
+          <a:bodyPr rtlCol="1" anchor="ctr"/>
+          <a:lstStyle/>
+          <a:p>
+            <a:pPr algn="ctr"/>
+            <a:r>
+              <a:rPr lang="en-US" dirty="0"/>
+              <a:t>Page 1</a:t>
+            </a:r>
+            <a:endParaRPr lang="he-IL" dirty="0"/>
+          </a:p>
+        </p:txBody>
+      </p:sp>
+      <p:sp>
+        <p:nvSpPr>
+          <p:cNvPr id="18" name="מלבן 17">
+            <a:extLst>
+              <a:ext uri="{FF2B5EF4-FFF2-40B4-BE49-F238E27FC236}">
+                <a16:creationId xmlns:a16="http://schemas.microsoft.com/office/drawing/2014/main" id="{BD4B9B1A-B616-4FDB-B6E5-3EC821EAA3DF}"/>
+              </a:ext>
+            </a:extLst>
+          </p:cNvPr>
+          <p:cNvSpPr/>
+          <p:nvPr/>
+        </p:nvSpPr>
+        <p:spPr>
+          <a:xfrm>
+            <a:off x="3882885" y="4031421"/>
+            <a:ext cx="1365249" cy="2086735"/>
+          </a:xfrm>
+          <a:prstGeom prst="rect">
+            <a:avLst/>
+          </a:prstGeom>
+        </p:spPr>
+        <p:style>
+          <a:lnRef idx="2">
+            <a:schemeClr val="accent1">
+              <a:shade val="50000"/>
+            </a:schemeClr>
+          </a:lnRef>
+          <a:fillRef idx="1">
+            <a:schemeClr val="accent1"/>
+          </a:fillRef>
+          <a:effectRef idx="0">
+            <a:schemeClr val="accent1"/>
+          </a:effectRef>
+          <a:fontRef idx="minor">
+            <a:schemeClr val="lt1"/>
+          </a:fontRef>
+        </p:style>
+        <p:txBody>
+          <a:bodyPr rtlCol="1" anchor="ctr"/>
+          <a:lstStyle/>
+          <a:p>
+            <a:pPr algn="ctr"/>
+            <a:r>
+              <a:rPr lang="en-US" dirty="0"/>
+              <a:t>Page 1</a:t>
+            </a:r>
+            <a:endParaRPr lang="he-IL" dirty="0"/>
+          </a:p>
+        </p:txBody>
+      </p:sp>
+      <p:sp>
+        <p:nvSpPr>
+          <p:cNvPr id="19" name="מלבן 18">
+            <a:extLst>
+              <a:ext uri="{FF2B5EF4-FFF2-40B4-BE49-F238E27FC236}">
+                <a16:creationId xmlns:a16="http://schemas.microsoft.com/office/drawing/2014/main" id="{935593BE-FF5E-48CA-9248-05FCB24E5FAD}"/>
+              </a:ext>
+            </a:extLst>
+          </p:cNvPr>
+          <p:cNvSpPr/>
+          <p:nvPr/>
+        </p:nvSpPr>
+        <p:spPr>
+          <a:xfrm>
+            <a:off x="8896349" y="4334252"/>
+            <a:ext cx="1365249" cy="2086735"/>
+          </a:xfrm>
+          <a:prstGeom prst="rect">
+            <a:avLst/>
+          </a:prstGeom>
+        </p:spPr>
+        <p:style>
+          <a:lnRef idx="2">
+            <a:schemeClr val="accent1">
+              <a:shade val="50000"/>
+            </a:schemeClr>
+          </a:lnRef>
+          <a:fillRef idx="1">
+            <a:schemeClr val="accent1"/>
+          </a:fillRef>
+          <a:effectRef idx="0">
+            <a:schemeClr val="accent1"/>
+          </a:effectRef>
+          <a:fontRef idx="minor">
+            <a:schemeClr val="lt1"/>
+          </a:fontRef>
+        </p:style>
+        <p:txBody>
+          <a:bodyPr rtlCol="1" anchor="ctr"/>
+          <a:lstStyle/>
+          <a:p>
+            <a:pPr algn="ctr"/>
+            <a:r>
+              <a:rPr lang="en-US" dirty="0"/>
+              <a:t>Page 3</a:t>
+            </a:r>
+            <a:endParaRPr lang="he-IL" dirty="0"/>
+          </a:p>
+        </p:txBody>
+      </p:sp>
+      <p:sp>
+        <p:nvSpPr>
+          <p:cNvPr id="22" name="תרשים זרימה: דיסק מגנטי 21">
+            <a:extLst>
+              <a:ext uri="{FF2B5EF4-FFF2-40B4-BE49-F238E27FC236}">
+                <a16:creationId xmlns:a16="http://schemas.microsoft.com/office/drawing/2014/main" id="{A2026437-4DD2-4487-9691-A1DED43667F5}"/>
+              </a:ext>
+            </a:extLst>
+          </p:cNvPr>
+          <p:cNvSpPr/>
+          <p:nvPr/>
+        </p:nvSpPr>
+        <p:spPr>
+          <a:xfrm>
+            <a:off x="10843418" y="4785033"/>
+            <a:ext cx="914400" cy="1178754"/>
+          </a:xfrm>
+          <a:prstGeom prst="flowChartMagneticDisk">
+            <a:avLst/>
+          </a:prstGeom>
+        </p:spPr>
+        <p:style>
+          <a:lnRef idx="2">
+            <a:schemeClr val="accent1">
+              <a:shade val="50000"/>
+            </a:schemeClr>
+          </a:lnRef>
+          <a:fillRef idx="1">
+            <a:schemeClr val="accent1"/>
+          </a:fillRef>
+          <a:effectRef idx="0">
+            <a:schemeClr val="accent1"/>
+          </a:effectRef>
+          <a:fontRef idx="minor">
+            <a:schemeClr val="lt1"/>
+          </a:fontRef>
+        </p:style>
+        <p:txBody>
+          <a:bodyPr rtlCol="1" anchor="ctr"/>
+          <a:lstStyle/>
+          <a:p>
+            <a:pPr algn="ctr"/>
+            <a:r>
+              <a:rPr lang="en-US" dirty="0"/>
+              <a:t>app state</a:t>
+            </a:r>
+            <a:endParaRPr lang="he-IL" dirty="0"/>
+          </a:p>
+        </p:txBody>
+      </p:sp>
+      <p:cxnSp>
+        <p:nvCxnSpPr>
+          <p:cNvPr id="12" name="מחבר ישר 11">
+            <a:extLst>
+              <a:ext uri="{FF2B5EF4-FFF2-40B4-BE49-F238E27FC236}">
+                <a16:creationId xmlns:a16="http://schemas.microsoft.com/office/drawing/2014/main" id="{265B348B-434D-499D-867E-E6A3D26D61B2}"/>
+              </a:ext>
+            </a:extLst>
+          </p:cNvPr>
+          <p:cNvCxnSpPr>
+            <a:stCxn id="22" idx="2"/>
+            <a:endCxn id="19" idx="3"/>
+          </p:cNvCxnSpPr>
+          <p:nvPr/>
+        </p:nvCxnSpPr>
+        <p:spPr>
+          <a:xfrm flipH="1">
+            <a:off x="10261598" y="5374410"/>
+            <a:ext cx="581820" cy="3210"/>
+          </a:xfrm>
+          <a:prstGeom prst="line">
+            <a:avLst/>
+          </a:prstGeom>
+          <a:ln>
+            <a:headEnd type="arrow" w="med" len="med"/>
+            <a:tailEnd type="arrow" w="med" len="med"/>
+          </a:ln>
+        </p:spPr>
+        <p:style>
+          <a:lnRef idx="1">
+            <a:schemeClr val="accent1"/>
+          </a:lnRef>
+          <a:fillRef idx="0">
+            <a:schemeClr val="accent1"/>
+          </a:fillRef>
+          <a:effectRef idx="0">
+            <a:schemeClr val="accent1"/>
+          </a:effectRef>
+          <a:fontRef idx="minor">
+            <a:schemeClr val="tx1"/>
+          </a:fontRef>
+        </p:style>
+      </p:cxnSp>
+      <p:sp>
+        <p:nvSpPr>
+          <p:cNvPr id="4" name="מלבן 3">
+            <a:extLst>
+              <a:ext uri="{FF2B5EF4-FFF2-40B4-BE49-F238E27FC236}">
+                <a16:creationId xmlns:a16="http://schemas.microsoft.com/office/drawing/2014/main" id="{05D9F657-C2F6-45DF-A586-1C82B30CB925}"/>
+              </a:ext>
+            </a:extLst>
+          </p:cNvPr>
+          <p:cNvSpPr/>
+          <p:nvPr/>
+        </p:nvSpPr>
+        <p:spPr>
+          <a:xfrm>
+            <a:off x="9129252" y="4472109"/>
+            <a:ext cx="933911" cy="369332"/>
+          </a:xfrm>
+          <a:prstGeom prst="rect">
+            <a:avLst/>
+          </a:prstGeom>
+          <a:ln>
+            <a:solidFill>
+              <a:schemeClr val="tx1"/>
+            </a:solidFill>
+          </a:ln>
+        </p:spPr>
+        <p:style>
+          <a:lnRef idx="2">
+            <a:schemeClr val="accent1">
+              <a:shade val="50000"/>
+            </a:schemeClr>
+          </a:lnRef>
+          <a:fillRef idx="1">
+            <a:schemeClr val="accent1"/>
+          </a:fillRef>
+          <a:effectRef idx="0">
+            <a:schemeClr val="accent1"/>
+          </a:effectRef>
+          <a:fontRef idx="minor">
+            <a:schemeClr val="lt1"/>
+          </a:fontRef>
+        </p:style>
+        <p:txBody>
+          <a:bodyPr rtlCol="1" anchor="ctr"/>
+          <a:lstStyle/>
+          <a:p>
+            <a:pPr algn="ctr"/>
+            <a:r>
+              <a:rPr lang="en-US" sz="1000" dirty="0"/>
+              <a:t>Components</a:t>
+            </a:r>
+            <a:endParaRPr lang="he-IL" sz="1000" dirty="0"/>
+          </a:p>
+        </p:txBody>
+      </p:sp>
+      <p:sp>
+        <p:nvSpPr>
+          <p:cNvPr id="25" name="מלבן 24">
+            <a:extLst>
+              <a:ext uri="{FF2B5EF4-FFF2-40B4-BE49-F238E27FC236}">
+                <a16:creationId xmlns:a16="http://schemas.microsoft.com/office/drawing/2014/main" id="{8325423A-6F6D-4E62-87F2-1360577F2CA4}"/>
+              </a:ext>
+            </a:extLst>
+          </p:cNvPr>
+          <p:cNvSpPr/>
+          <p:nvPr/>
+        </p:nvSpPr>
+        <p:spPr>
+          <a:xfrm>
+            <a:off x="9129252" y="4843015"/>
+            <a:ext cx="933911" cy="369332"/>
+          </a:xfrm>
+          <a:prstGeom prst="rect">
+            <a:avLst/>
+          </a:prstGeom>
+          <a:ln>
+            <a:solidFill>
+              <a:schemeClr val="tx1"/>
+            </a:solidFill>
+          </a:ln>
+        </p:spPr>
+        <p:style>
+          <a:lnRef idx="2">
+            <a:schemeClr val="accent1">
+              <a:shade val="50000"/>
+            </a:schemeClr>
+          </a:lnRef>
+          <a:fillRef idx="1">
+            <a:schemeClr val="accent1"/>
+          </a:fillRef>
+          <a:effectRef idx="0">
+            <a:schemeClr val="accent1"/>
+          </a:effectRef>
+          <a:fontRef idx="minor">
+            <a:schemeClr val="lt1"/>
+          </a:fontRef>
+        </p:style>
+        <p:txBody>
+          <a:bodyPr rtlCol="1" anchor="ctr"/>
+          <a:lstStyle/>
+          <a:p>
+            <a:pPr algn="ctr"/>
+            <a:endParaRPr lang="he-IL"/>
+          </a:p>
+        </p:txBody>
+      </p:sp>
+      <p:sp>
+        <p:nvSpPr>
+          <p:cNvPr id="26" name="מלבן 25">
+            <a:extLst>
+              <a:ext uri="{FF2B5EF4-FFF2-40B4-BE49-F238E27FC236}">
+                <a16:creationId xmlns:a16="http://schemas.microsoft.com/office/drawing/2014/main" id="{5DDB15BC-D109-44E2-9DD2-C3F592E187E2}"/>
+              </a:ext>
+            </a:extLst>
+          </p:cNvPr>
+          <p:cNvSpPr/>
+          <p:nvPr/>
+        </p:nvSpPr>
+        <p:spPr>
+          <a:xfrm>
+            <a:off x="9121773" y="5561327"/>
+            <a:ext cx="933911" cy="369332"/>
+          </a:xfrm>
+          <a:prstGeom prst="rect">
+            <a:avLst/>
+          </a:prstGeom>
+          <a:ln>
+            <a:solidFill>
+              <a:schemeClr val="tx1"/>
+            </a:solidFill>
+          </a:ln>
+        </p:spPr>
+        <p:style>
+          <a:lnRef idx="2">
+            <a:schemeClr val="accent1">
+              <a:shade val="50000"/>
+            </a:schemeClr>
+          </a:lnRef>
+          <a:fillRef idx="1">
+            <a:schemeClr val="accent1"/>
+          </a:fillRef>
+          <a:effectRef idx="0">
+            <a:schemeClr val="accent1"/>
+          </a:effectRef>
+          <a:fontRef idx="minor">
+            <a:schemeClr val="lt1"/>
+          </a:fontRef>
+        </p:style>
+        <p:txBody>
+          <a:bodyPr rtlCol="1" anchor="ctr"/>
+          <a:lstStyle/>
+          <a:p>
+            <a:pPr algn="ctr"/>
+            <a:endParaRPr lang="he-IL"/>
+          </a:p>
+        </p:txBody>
+      </p:sp>
+      <p:sp>
+        <p:nvSpPr>
+          <p:cNvPr id="27" name="מלבן 26">
+            <a:extLst>
+              <a:ext uri="{FF2B5EF4-FFF2-40B4-BE49-F238E27FC236}">
+                <a16:creationId xmlns:a16="http://schemas.microsoft.com/office/drawing/2014/main" id="{82214686-B9B6-4FC5-A164-480A7D9ECFDC}"/>
+              </a:ext>
+            </a:extLst>
+          </p:cNvPr>
+          <p:cNvSpPr/>
+          <p:nvPr/>
+        </p:nvSpPr>
+        <p:spPr>
+          <a:xfrm>
+            <a:off x="9112017" y="5931521"/>
+            <a:ext cx="933911" cy="369332"/>
+          </a:xfrm>
+          <a:prstGeom prst="rect">
+            <a:avLst/>
+          </a:prstGeom>
+          <a:ln>
+            <a:solidFill>
+              <a:schemeClr val="tx1"/>
+            </a:solidFill>
+          </a:ln>
+        </p:spPr>
+        <p:style>
+          <a:lnRef idx="2">
+            <a:schemeClr val="accent1">
+              <a:shade val="50000"/>
+            </a:schemeClr>
+          </a:lnRef>
+          <a:fillRef idx="1">
+            <a:schemeClr val="accent1"/>
+          </a:fillRef>
+          <a:effectRef idx="0">
+            <a:schemeClr val="accent1"/>
+          </a:effectRef>
+          <a:fontRef idx="minor">
+            <a:schemeClr val="lt1"/>
+          </a:fontRef>
+        </p:style>
+        <p:txBody>
+          <a:bodyPr rtlCol="1" anchor="ctr"/>
+          <a:lstStyle/>
+          <a:p>
+            <a:pPr algn="ctr"/>
+            <a:endParaRPr lang="he-IL"/>
+          </a:p>
+        </p:txBody>
+      </p:sp>
+      <p:sp>
+        <p:nvSpPr>
+          <p:cNvPr id="28" name="TextBox 27">
+            <a:extLst>
+              <a:ext uri="{FF2B5EF4-FFF2-40B4-BE49-F238E27FC236}">
+                <a16:creationId xmlns:a16="http://schemas.microsoft.com/office/drawing/2014/main" id="{1C6A9087-D430-470D-BECF-54DF07211786}"/>
               </a:ext>
             </a:extLst>
           </p:cNvPr>
@@ -10254,8 +10708,8 @@
         </p:nvSpPr>
         <p:spPr>
           <a:xfrm>
-            <a:off x="1185863" y="2414588"/>
-            <a:ext cx="2986087" cy="369332"/>
+            <a:off x="6374068" y="4600367"/>
+            <a:ext cx="1624013" cy="369332"/>
           </a:xfrm>
           <a:prstGeom prst="rect">
             <a:avLst/>
@@ -10270,7 +10724,7 @@
           <a:p>
             <a:r>
               <a:rPr lang="en-US" dirty="0"/>
-              <a:t>From react tutorial:</a:t>
+              <a:t>Components</a:t>
             </a:r>
             <a:endParaRPr lang="he-IL" dirty="0"/>
           </a:p>
@@ -10278,75 +10732,200 @@
       </p:sp>
       <p:sp>
         <p:nvSpPr>
-          <p:cNvPr id="6" name="TextBox 5">
-            <a:extLst>
-              <a:ext uri="{FF2B5EF4-FFF2-40B4-BE49-F238E27FC236}">
-                <a16:creationId xmlns:a16="http://schemas.microsoft.com/office/drawing/2014/main" id="{6FADEE8A-0255-4729-A77E-CD05E7083376}"/>
-              </a:ext>
-            </a:extLst>
-          </p:cNvPr>
-          <p:cNvSpPr txBox="1"/>
+          <p:cNvPr id="29" name="תרשים זרימה: דיסק מגנטי 28">
+            <a:extLst>
+              <a:ext uri="{FF2B5EF4-FFF2-40B4-BE49-F238E27FC236}">
+                <a16:creationId xmlns:a16="http://schemas.microsoft.com/office/drawing/2014/main" id="{B2AA0BE5-4DE9-4777-AAF3-C36D19F79BD4}"/>
+              </a:ext>
+            </a:extLst>
+          </p:cNvPr>
+          <p:cNvSpPr/>
           <p:nvPr/>
         </p:nvSpPr>
         <p:spPr>
           <a:xfrm>
-            <a:off x="1571625" y="3000375"/>
-            <a:ext cx="2986087" cy="369332"/>
+            <a:off x="10494501" y="3991338"/>
+            <a:ext cx="613571" cy="620684"/>
+          </a:xfrm>
+          <a:prstGeom prst="flowChartMagneticDisk">
+            <a:avLst/>
+          </a:prstGeom>
+        </p:spPr>
+        <p:style>
+          <a:lnRef idx="2">
+            <a:schemeClr val="accent1">
+              <a:shade val="50000"/>
+            </a:schemeClr>
+          </a:lnRef>
+          <a:fillRef idx="1">
+            <a:schemeClr val="accent1"/>
+          </a:fillRef>
+          <a:effectRef idx="0">
+            <a:schemeClr val="accent1"/>
+          </a:effectRef>
+          <a:fontRef idx="minor">
+            <a:schemeClr val="lt1"/>
+          </a:fontRef>
+        </p:style>
+        <p:txBody>
+          <a:bodyPr rtlCol="1" anchor="ctr"/>
+          <a:lstStyle/>
+          <a:p>
+            <a:pPr algn="ctr"/>
+            <a:r>
+              <a:rPr lang="en-US" sz="1100" dirty="0"/>
+              <a:t>Local data</a:t>
+            </a:r>
+            <a:endParaRPr lang="he-IL" sz="1100" dirty="0"/>
+          </a:p>
+        </p:txBody>
+      </p:sp>
+      <p:cxnSp>
+        <p:nvCxnSpPr>
+          <p:cNvPr id="7" name="מחבר ישר 6">
+            <a:extLst>
+              <a:ext uri="{FF2B5EF4-FFF2-40B4-BE49-F238E27FC236}">
+                <a16:creationId xmlns:a16="http://schemas.microsoft.com/office/drawing/2014/main" id="{9F72CBD9-7524-4B6E-A324-A19A8356488D}"/>
+              </a:ext>
+            </a:extLst>
+          </p:cNvPr>
+          <p:cNvCxnSpPr>
+            <a:stCxn id="28" idx="3"/>
+            <a:endCxn id="4" idx="1"/>
+          </p:cNvCxnSpPr>
+          <p:nvPr/>
+        </p:nvCxnSpPr>
+        <p:spPr>
+          <a:xfrm flipV="1">
+            <a:off x="7998081" y="4656775"/>
+            <a:ext cx="1131171" cy="128258"/>
+          </a:xfrm>
+          <a:prstGeom prst="line">
+            <a:avLst/>
+          </a:prstGeom>
+          <a:ln>
+            <a:solidFill>
+              <a:schemeClr val="accent1">
+                <a:lumMod val="50000"/>
+              </a:schemeClr>
+            </a:solidFill>
+          </a:ln>
+        </p:spPr>
+        <p:style>
+          <a:lnRef idx="1">
+            <a:schemeClr val="accent1"/>
+          </a:lnRef>
+          <a:fillRef idx="0">
+            <a:schemeClr val="accent1"/>
+          </a:fillRef>
+          <a:effectRef idx="0">
+            <a:schemeClr val="accent1"/>
+          </a:effectRef>
+          <a:fontRef idx="minor">
+            <a:schemeClr val="tx1"/>
+          </a:fontRef>
+        </p:style>
+      </p:cxnSp>
+      <p:cxnSp>
+        <p:nvCxnSpPr>
+          <p:cNvPr id="15" name="מחבר ישר 14">
+            <a:extLst>
+              <a:ext uri="{FF2B5EF4-FFF2-40B4-BE49-F238E27FC236}">
+                <a16:creationId xmlns:a16="http://schemas.microsoft.com/office/drawing/2014/main" id="{2CBD7B37-1754-4BA0-A980-693810E50789}"/>
+              </a:ext>
+            </a:extLst>
+          </p:cNvPr>
+          <p:cNvCxnSpPr>
+            <a:stCxn id="29" idx="2"/>
+            <a:endCxn id="4" idx="3"/>
+          </p:cNvCxnSpPr>
+          <p:nvPr/>
+        </p:nvCxnSpPr>
+        <p:spPr>
+          <a:xfrm flipH="1">
+            <a:off x="10063163" y="4301680"/>
+            <a:ext cx="431338" cy="355095"/>
+          </a:xfrm>
+          <a:prstGeom prst="line">
+            <a:avLst/>
+          </a:prstGeom>
+          <a:ln>
+            <a:solidFill>
+              <a:schemeClr val="accent1">
+                <a:lumMod val="50000"/>
+              </a:schemeClr>
+            </a:solidFill>
+          </a:ln>
+        </p:spPr>
+        <p:style>
+          <a:lnRef idx="1">
+            <a:schemeClr val="accent1"/>
+          </a:lnRef>
+          <a:fillRef idx="0">
+            <a:schemeClr val="accent1"/>
+          </a:fillRef>
+          <a:effectRef idx="0">
+            <a:schemeClr val="accent1"/>
+          </a:effectRef>
+          <a:fontRef idx="minor">
+            <a:schemeClr val="tx1"/>
+          </a:fontRef>
+        </p:style>
+      </p:cxnSp>
+      <p:sp>
+        <p:nvSpPr>
+          <p:cNvPr id="9" name="מלבן 8">
+            <a:extLst>
+              <a:ext uri="{FF2B5EF4-FFF2-40B4-BE49-F238E27FC236}">
+                <a16:creationId xmlns:a16="http://schemas.microsoft.com/office/drawing/2014/main" id="{04C46126-52F4-4B38-908B-F1641FD8ACA2}"/>
+              </a:ext>
+            </a:extLst>
+          </p:cNvPr>
+          <p:cNvSpPr/>
+          <p:nvPr/>
+        </p:nvSpPr>
+        <p:spPr>
+          <a:xfrm>
+            <a:off x="3277772" y="3429000"/>
+            <a:ext cx="2307102" cy="2991987"/>
           </a:xfrm>
           <a:prstGeom prst="rect">
             <a:avLst/>
           </a:prstGeom>
           <a:noFill/>
-        </p:spPr>
-        <p:txBody>
-          <a:bodyPr wrap="square" rtlCol="1">
-            <a:spAutoFit/>
-          </a:bodyPr>
-          <a:lstStyle/>
-          <a:p>
-            <a:r>
-              <a:rPr lang="en-US" dirty="0"/>
-              <a:t>Element</a:t>
-            </a:r>
-            <a:endParaRPr lang="he-IL" dirty="0"/>
-          </a:p>
-        </p:txBody>
-      </p:sp>
-      <p:pic>
-        <p:nvPicPr>
-          <p:cNvPr id="7" name="תמונה 6">
-            <a:extLst>
-              <a:ext uri="{FF2B5EF4-FFF2-40B4-BE49-F238E27FC236}">
-                <a16:creationId xmlns:a16="http://schemas.microsoft.com/office/drawing/2014/main" id="{D722E5D4-8F95-4490-8BD0-541E98CEF28C}"/>
-              </a:ext>
-            </a:extLst>
-          </p:cNvPr>
-          <p:cNvPicPr>
-            <a:picLocks noChangeAspect="1"/>
-          </p:cNvPicPr>
-          <p:nvPr/>
-        </p:nvPicPr>
-        <p:blipFill rotWithShape="1">
-          <a:blip r:embed="rId3"/>
-          <a:srcRect r="50522"/>
-          <a:stretch/>
-        </p:blipFill>
-        <p:spPr>
-          <a:xfrm>
-            <a:off x="6577012" y="3369707"/>
-            <a:ext cx="5119699" cy="2088118"/>
-          </a:xfrm>
-          <a:prstGeom prst="rect">
-            <a:avLst/>
-          </a:prstGeom>
-        </p:spPr>
-      </p:pic>
-      <p:sp>
-        <p:nvSpPr>
-          <p:cNvPr id="8" name="TextBox 7">
-            <a:extLst>
-              <a:ext uri="{FF2B5EF4-FFF2-40B4-BE49-F238E27FC236}">
-                <a16:creationId xmlns:a16="http://schemas.microsoft.com/office/drawing/2014/main" id="{D2A21DA5-E314-4C2C-946D-7E51B429C1B0}"/>
+          <a:ln w="57150"/>
+        </p:spPr>
+        <p:style>
+          <a:lnRef idx="2">
+            <a:schemeClr val="accent1">
+              <a:shade val="50000"/>
+            </a:schemeClr>
+          </a:lnRef>
+          <a:fillRef idx="1">
+            <a:schemeClr val="accent1"/>
+          </a:fillRef>
+          <a:effectRef idx="0">
+            <a:schemeClr val="accent1"/>
+          </a:effectRef>
+          <a:fontRef idx="minor">
+            <a:schemeClr val="lt1"/>
+          </a:fontRef>
+        </p:style>
+        <p:txBody>
+          <a:bodyPr rtlCol="1" anchor="ctr"/>
+          <a:lstStyle/>
+          <a:p>
+            <a:pPr algn="ctr"/>
+            <a:endParaRPr lang="he-IL"/>
+          </a:p>
+        </p:txBody>
+      </p:sp>
+      <p:sp>
+        <p:nvSpPr>
+          <p:cNvPr id="30" name="TextBox 27">
+            <a:extLst>
+              <a:ext uri="{FF2B5EF4-FFF2-40B4-BE49-F238E27FC236}">
+                <a16:creationId xmlns:a16="http://schemas.microsoft.com/office/drawing/2014/main" id="{EC29C8AF-4F20-4F83-BF8F-DECBFBE1AA2B}"/>
               </a:ext>
             </a:extLst>
           </p:cNvPr>
@@ -10355,8 +10934,8 @@
         </p:nvSpPr>
         <p:spPr>
           <a:xfrm>
-            <a:off x="6838950" y="3000375"/>
-            <a:ext cx="2986087" cy="369332"/>
+            <a:off x="3728781" y="2873431"/>
+            <a:ext cx="1624013" cy="369332"/>
           </a:xfrm>
           <a:prstGeom prst="rect">
             <a:avLst/>
@@ -10371,7 +10950,180 @@
           <a:p>
             <a:r>
               <a:rPr lang="en-US" dirty="0"/>
-              <a:t>JSX</a:t>
+              <a:t>JS (Bundle)</a:t>
+            </a:r>
+            <a:endParaRPr lang="he-IL" dirty="0"/>
+          </a:p>
+        </p:txBody>
+      </p:sp>
+      <p:sp>
+        <p:nvSpPr>
+          <p:cNvPr id="31" name="TextBox 27">
+            <a:extLst>
+              <a:ext uri="{FF2B5EF4-FFF2-40B4-BE49-F238E27FC236}">
+                <a16:creationId xmlns:a16="http://schemas.microsoft.com/office/drawing/2014/main" id="{6A97D9A4-5C2C-4E2E-B1F5-8A0BDC2C65A9}"/>
+              </a:ext>
+            </a:extLst>
+          </p:cNvPr>
+          <p:cNvSpPr txBox="1"/>
+          <p:nvPr/>
+        </p:nvSpPr>
+        <p:spPr>
+          <a:xfrm>
+            <a:off x="6354615" y="2545521"/>
+            <a:ext cx="1624013" cy="369332"/>
+          </a:xfrm>
+          <a:prstGeom prst="rect">
+            <a:avLst/>
+          </a:prstGeom>
+          <a:solidFill>
+            <a:srgbClr val="EBC48A">
+              <a:alpha val="60000"/>
+            </a:srgbClr>
+          </a:solidFill>
+        </p:spPr>
+        <p:txBody>
+          <a:bodyPr wrap="square" rtlCol="1">
+            <a:spAutoFit/>
+          </a:bodyPr>
+          <a:lstStyle/>
+          <a:p>
+            <a:pPr algn="ctr"/>
+            <a:r>
+              <a:rPr lang="en-US" dirty="0"/>
+              <a:t>Router</a:t>
+            </a:r>
+            <a:endParaRPr lang="he-IL" dirty="0"/>
+          </a:p>
+        </p:txBody>
+      </p:sp>
+      <p:cxnSp>
+        <p:nvCxnSpPr>
+          <p:cNvPr id="20" name="מחבר ישר 19">
+            <a:extLst>
+              <a:ext uri="{FF2B5EF4-FFF2-40B4-BE49-F238E27FC236}">
+                <a16:creationId xmlns:a16="http://schemas.microsoft.com/office/drawing/2014/main" id="{68944C7F-760E-40CB-9FED-1F6BFB168A03}"/>
+              </a:ext>
+            </a:extLst>
+          </p:cNvPr>
+          <p:cNvCxnSpPr>
+            <a:stCxn id="31" idx="2"/>
+            <a:endCxn id="9" idx="3"/>
+          </p:cNvCxnSpPr>
+          <p:nvPr/>
+        </p:nvCxnSpPr>
+        <p:spPr>
+          <a:xfrm flipH="1">
+            <a:off x="5584874" y="2914853"/>
+            <a:ext cx="1581748" cy="2010141"/>
+          </a:xfrm>
+          <a:prstGeom prst="line">
+            <a:avLst/>
+          </a:prstGeom>
+          <a:ln>
+            <a:prstDash val="dashDot"/>
+          </a:ln>
+        </p:spPr>
+        <p:style>
+          <a:lnRef idx="1">
+            <a:schemeClr val="accent1"/>
+          </a:lnRef>
+          <a:fillRef idx="0">
+            <a:schemeClr val="accent1"/>
+          </a:fillRef>
+          <a:effectRef idx="0">
+            <a:schemeClr val="accent1"/>
+          </a:effectRef>
+          <a:fontRef idx="minor">
+            <a:schemeClr val="tx1"/>
+          </a:fontRef>
+        </p:style>
+      </p:cxnSp>
+      <p:cxnSp>
+        <p:nvCxnSpPr>
+          <p:cNvPr id="24" name="מחבר ישר 23">
+            <a:extLst>
+              <a:ext uri="{FF2B5EF4-FFF2-40B4-BE49-F238E27FC236}">
+                <a16:creationId xmlns:a16="http://schemas.microsoft.com/office/drawing/2014/main" id="{3FF523DC-87EF-4382-8574-21BB67C9DC95}"/>
+              </a:ext>
+            </a:extLst>
+          </p:cNvPr>
+          <p:cNvCxnSpPr>
+            <a:stCxn id="31" idx="2"/>
+            <a:endCxn id="19" idx="1"/>
+          </p:cNvCxnSpPr>
+          <p:nvPr/>
+        </p:nvCxnSpPr>
+        <p:spPr>
+          <a:xfrm>
+            <a:off x="7166622" y="2914853"/>
+            <a:ext cx="1729727" cy="2462767"/>
+          </a:xfrm>
+          <a:prstGeom prst="line">
+            <a:avLst/>
+          </a:prstGeom>
+          <a:ln>
+            <a:prstDash val="dashDot"/>
+          </a:ln>
+        </p:spPr>
+        <p:style>
+          <a:lnRef idx="1">
+            <a:schemeClr val="accent1"/>
+          </a:lnRef>
+          <a:fillRef idx="0">
+            <a:schemeClr val="accent1"/>
+          </a:fillRef>
+          <a:effectRef idx="0">
+            <a:schemeClr val="accent1"/>
+          </a:effectRef>
+          <a:fontRef idx="minor">
+            <a:schemeClr val="tx1"/>
+          </a:fontRef>
+        </p:style>
+      </p:cxnSp>
+      <p:sp>
+        <p:nvSpPr>
+          <p:cNvPr id="32" name="TextBox 27">
+            <a:extLst>
+              <a:ext uri="{FF2B5EF4-FFF2-40B4-BE49-F238E27FC236}">
+                <a16:creationId xmlns:a16="http://schemas.microsoft.com/office/drawing/2014/main" id="{67B293B1-7BB9-464B-BE7A-A8C33B5F2D50}"/>
+              </a:ext>
+            </a:extLst>
+          </p:cNvPr>
+          <p:cNvSpPr txBox="1"/>
+          <p:nvPr/>
+        </p:nvSpPr>
+        <p:spPr>
+          <a:xfrm>
+            <a:off x="7530139" y="5544733"/>
+            <a:ext cx="1624013" cy="923330"/>
+          </a:xfrm>
+          <a:prstGeom prst="rect">
+            <a:avLst/>
+          </a:prstGeom>
+          <a:noFill/>
+        </p:spPr>
+        <p:txBody>
+          <a:bodyPr wrap="square" rtlCol="1">
+            <a:spAutoFit/>
+          </a:bodyPr>
+          <a:lstStyle/>
+          <a:p>
+            <a:r>
+              <a:rPr lang="en-US" dirty="0"/>
+              <a:t>Mount</a:t>
+            </a:r>
+          </a:p>
+          <a:p>
+            <a:r>
+              <a:rPr lang="en-US" dirty="0"/>
+              <a:t>Update</a:t>
+            </a:r>
+          </a:p>
+          <a:p>
+            <a:r>
+              <a:rPr lang="en-US" dirty="0" err="1"/>
+              <a:t>UnMount</a:t>
             </a:r>
             <a:endParaRPr lang="he-IL" dirty="0"/>
           </a:p>
@@ -10380,7 +11132,7 @@
     </p:spTree>
     <p:extLst>
       <p:ext uri="{BB962C8B-B14F-4D97-AF65-F5344CB8AC3E}">
-        <p14:creationId xmlns:p14="http://schemas.microsoft.com/office/powerpoint/2010/main" val="3052793855"/>
+        <p14:creationId xmlns:p14="http://schemas.microsoft.com/office/powerpoint/2010/main" val="2545002577"/>
       </p:ext>
     </p:extLst>
   </p:cSld>
@@ -10412,6 +11164,232 @@
           <p:cNvPr id="2" name="כותרת 1">
             <a:extLst>
               <a:ext uri="{FF2B5EF4-FFF2-40B4-BE49-F238E27FC236}">
+                <a16:creationId xmlns:a16="http://schemas.microsoft.com/office/drawing/2014/main" id="{A4C6782C-992C-4CC4-ACC3-A321A228C4B1}"/>
+              </a:ext>
+            </a:extLst>
+          </p:cNvPr>
+          <p:cNvSpPr>
+            <a:spLocks noGrp="1"/>
+          </p:cNvSpPr>
+          <p:nvPr>
+            <p:ph type="title"/>
+          </p:nvPr>
+        </p:nvSpPr>
+        <p:spPr/>
+        <p:txBody>
+          <a:bodyPr/>
+          <a:lstStyle/>
+          <a:p>
+            <a:r>
+              <a:rPr lang="en-US" dirty="0"/>
+              <a:t>React: elements and JSX</a:t>
+            </a:r>
+            <a:endParaRPr lang="he-IL" dirty="0"/>
+          </a:p>
+        </p:txBody>
+      </p:sp>
+      <p:pic>
+        <p:nvPicPr>
+          <p:cNvPr id="4" name="תמונה 3">
+            <a:extLst>
+              <a:ext uri="{FF2B5EF4-FFF2-40B4-BE49-F238E27FC236}">
+                <a16:creationId xmlns:a16="http://schemas.microsoft.com/office/drawing/2014/main" id="{473B4579-4DDE-49CF-BB98-C15F1AD8C657}"/>
+              </a:ext>
+            </a:extLst>
+          </p:cNvPr>
+          <p:cNvPicPr>
+            <a:picLocks noChangeAspect="1"/>
+          </p:cNvPicPr>
+          <p:nvPr/>
+        </p:nvPicPr>
+        <p:blipFill>
+          <a:blip r:embed="rId2"/>
+          <a:stretch>
+            <a:fillRect/>
+          </a:stretch>
+        </p:blipFill>
+        <p:spPr>
+          <a:xfrm>
+            <a:off x="913795" y="3429000"/>
+            <a:ext cx="5143500" cy="2276475"/>
+          </a:xfrm>
+          <a:prstGeom prst="rect">
+            <a:avLst/>
+          </a:prstGeom>
+        </p:spPr>
+      </p:pic>
+      <p:sp>
+        <p:nvSpPr>
+          <p:cNvPr id="5" name="TextBox 4">
+            <a:extLst>
+              <a:ext uri="{FF2B5EF4-FFF2-40B4-BE49-F238E27FC236}">
+                <a16:creationId xmlns:a16="http://schemas.microsoft.com/office/drawing/2014/main" id="{5A2DD1BB-6B69-4F0A-9328-F9AC929D5284}"/>
+              </a:ext>
+            </a:extLst>
+          </p:cNvPr>
+          <p:cNvSpPr txBox="1"/>
+          <p:nvPr/>
+        </p:nvSpPr>
+        <p:spPr>
+          <a:xfrm>
+            <a:off x="1185863" y="2414588"/>
+            <a:ext cx="2986087" cy="369332"/>
+          </a:xfrm>
+          <a:prstGeom prst="rect">
+            <a:avLst/>
+          </a:prstGeom>
+          <a:noFill/>
+        </p:spPr>
+        <p:txBody>
+          <a:bodyPr wrap="square" rtlCol="1">
+            <a:spAutoFit/>
+          </a:bodyPr>
+          <a:lstStyle/>
+          <a:p>
+            <a:r>
+              <a:rPr lang="en-US" dirty="0"/>
+              <a:t>From react tutorial:</a:t>
+            </a:r>
+            <a:endParaRPr lang="he-IL" dirty="0"/>
+          </a:p>
+        </p:txBody>
+      </p:sp>
+      <p:sp>
+        <p:nvSpPr>
+          <p:cNvPr id="6" name="TextBox 5">
+            <a:extLst>
+              <a:ext uri="{FF2B5EF4-FFF2-40B4-BE49-F238E27FC236}">
+                <a16:creationId xmlns:a16="http://schemas.microsoft.com/office/drawing/2014/main" id="{6FADEE8A-0255-4729-A77E-CD05E7083376}"/>
+              </a:ext>
+            </a:extLst>
+          </p:cNvPr>
+          <p:cNvSpPr txBox="1"/>
+          <p:nvPr/>
+        </p:nvSpPr>
+        <p:spPr>
+          <a:xfrm>
+            <a:off x="1571625" y="3000375"/>
+            <a:ext cx="2986087" cy="369332"/>
+          </a:xfrm>
+          <a:prstGeom prst="rect">
+            <a:avLst/>
+          </a:prstGeom>
+          <a:noFill/>
+        </p:spPr>
+        <p:txBody>
+          <a:bodyPr wrap="square" rtlCol="1">
+            <a:spAutoFit/>
+          </a:bodyPr>
+          <a:lstStyle/>
+          <a:p>
+            <a:r>
+              <a:rPr lang="en-US" dirty="0"/>
+              <a:t>Element</a:t>
+            </a:r>
+            <a:endParaRPr lang="he-IL" dirty="0"/>
+          </a:p>
+        </p:txBody>
+      </p:sp>
+      <p:pic>
+        <p:nvPicPr>
+          <p:cNvPr id="7" name="תמונה 6">
+            <a:extLst>
+              <a:ext uri="{FF2B5EF4-FFF2-40B4-BE49-F238E27FC236}">
+                <a16:creationId xmlns:a16="http://schemas.microsoft.com/office/drawing/2014/main" id="{D722E5D4-8F95-4490-8BD0-541E98CEF28C}"/>
+              </a:ext>
+            </a:extLst>
+          </p:cNvPr>
+          <p:cNvPicPr>
+            <a:picLocks noChangeAspect="1"/>
+          </p:cNvPicPr>
+          <p:nvPr/>
+        </p:nvPicPr>
+        <p:blipFill rotWithShape="1">
+          <a:blip r:embed="rId3"/>
+          <a:srcRect r="50522"/>
+          <a:stretch/>
+        </p:blipFill>
+        <p:spPr>
+          <a:xfrm>
+            <a:off x="6577012" y="3369707"/>
+            <a:ext cx="5119699" cy="2088118"/>
+          </a:xfrm>
+          <a:prstGeom prst="rect">
+            <a:avLst/>
+          </a:prstGeom>
+        </p:spPr>
+      </p:pic>
+      <p:sp>
+        <p:nvSpPr>
+          <p:cNvPr id="8" name="TextBox 7">
+            <a:extLst>
+              <a:ext uri="{FF2B5EF4-FFF2-40B4-BE49-F238E27FC236}">
+                <a16:creationId xmlns:a16="http://schemas.microsoft.com/office/drawing/2014/main" id="{D2A21DA5-E314-4C2C-946D-7E51B429C1B0}"/>
+              </a:ext>
+            </a:extLst>
+          </p:cNvPr>
+          <p:cNvSpPr txBox="1"/>
+          <p:nvPr/>
+        </p:nvSpPr>
+        <p:spPr>
+          <a:xfrm>
+            <a:off x="6838950" y="3000375"/>
+            <a:ext cx="2986087" cy="369332"/>
+          </a:xfrm>
+          <a:prstGeom prst="rect">
+            <a:avLst/>
+          </a:prstGeom>
+          <a:noFill/>
+        </p:spPr>
+        <p:txBody>
+          <a:bodyPr wrap="square" rtlCol="1">
+            <a:spAutoFit/>
+          </a:bodyPr>
+          <a:lstStyle/>
+          <a:p>
+            <a:r>
+              <a:rPr lang="en-US" dirty="0"/>
+              <a:t>JSX</a:t>
+            </a:r>
+            <a:endParaRPr lang="he-IL" dirty="0"/>
+          </a:p>
+        </p:txBody>
+      </p:sp>
+    </p:spTree>
+    <p:extLst>
+      <p:ext uri="{BB962C8B-B14F-4D97-AF65-F5344CB8AC3E}">
+        <p14:creationId xmlns:p14="http://schemas.microsoft.com/office/powerpoint/2010/main" val="3052793855"/>
+      </p:ext>
+    </p:extLst>
+  </p:cSld>
+  <p:clrMapOvr>
+    <a:masterClrMapping/>
+  </p:clrMapOvr>
+</p:sld>
+</file>
+
+<file path=ppt/slides/slide17.xml><?xml version="1.0" encoding="utf-8"?>
+<p:sld xmlns:a="http://schemas.openxmlformats.org/drawingml/2006/main" xmlns:r="http://schemas.openxmlformats.org/officeDocument/2006/relationships" xmlns:p="http://schemas.openxmlformats.org/presentationml/2006/main">
+  <p:cSld>
+    <p:spTree>
+      <p:nvGrpSpPr>
+        <p:cNvPr id="1" name=""/>
+        <p:cNvGrpSpPr/>
+        <p:nvPr/>
+      </p:nvGrpSpPr>
+      <p:grpSpPr>
+        <a:xfrm>
+          <a:off x="0" y="0"/>
+          <a:ext cx="0" cy="0"/>
+          <a:chOff x="0" y="0"/>
+          <a:chExt cx="0" cy="0"/>
+        </a:xfrm>
+      </p:grpSpPr>
+      <p:sp>
+        <p:nvSpPr>
+          <p:cNvPr id="2" name="כותרת 1">
+            <a:extLst>
+              <a:ext uri="{FF2B5EF4-FFF2-40B4-BE49-F238E27FC236}">
                 <a16:creationId xmlns:a16="http://schemas.microsoft.com/office/drawing/2014/main" id="{CE700D5F-102A-47C5-8A48-F099A0E10364}"/>
               </a:ext>
             </a:extLst>
@@ -10515,7 +11493,7 @@
 </p:sld>
 </file>
 
-<file path=ppt/slides/slide17.xml><?xml version="1.0" encoding="utf-8"?>
+<file path=ppt/slides/slide18.xml><?xml version="1.0" encoding="utf-8"?>
 <p:sld xmlns:a="http://schemas.openxmlformats.org/drawingml/2006/main" xmlns:r="http://schemas.openxmlformats.org/officeDocument/2006/relationships" xmlns:p="http://schemas.openxmlformats.org/presentationml/2006/main">
   <p:cSld>
     <p:bg>
@@ -11046,7 +12024,7 @@
                   <a:spcPts val="600"/>
                 </a:spcAft>
               </a:pPr>
-              <a:t>17</a:t>
+              <a:t>18</a:t>
             </a:fld>
             <a:endParaRPr lang="en-US"/>
           </a:p>
@@ -11065,7 +12043,7 @@
 </p:sld>
 </file>
 
-<file path=ppt/slides/slide18.xml><?xml version="1.0" encoding="utf-8"?>
+<file path=ppt/slides/slide19.xml><?xml version="1.0" encoding="utf-8"?>
 <p:sld xmlns:a="http://schemas.openxmlformats.org/drawingml/2006/main" xmlns:r="http://schemas.openxmlformats.org/officeDocument/2006/relationships" xmlns:p="http://schemas.openxmlformats.org/presentationml/2006/main">
   <p:cSld>
     <p:spTree>
@@ -11160,7 +12138,390 @@
 </p:sld>
 </file>
 
-<file path=ppt/slides/slide19.xml><?xml version="1.0" encoding="utf-8"?>
+<file path=ppt/slides/slide2.xml><?xml version="1.0" encoding="utf-8"?>
+<p:sld xmlns:a="http://schemas.openxmlformats.org/drawingml/2006/main" xmlns:r="http://schemas.openxmlformats.org/officeDocument/2006/relationships" xmlns:p="http://schemas.openxmlformats.org/presentationml/2006/main">
+  <p:cSld>
+    <p:bg>
+      <p:bgPr>
+        <a:blipFill rotWithShape="1">
+          <a:blip r:embed="rId2">
+            <a:duotone>
+              <a:schemeClr val="bg2">
+                <a:shade val="18000"/>
+                <a:satMod val="160000"/>
+                <a:lumMod val="28000"/>
+              </a:schemeClr>
+              <a:schemeClr val="bg2">
+                <a:tint val="95000"/>
+                <a:satMod val="160000"/>
+                <a:lumMod val="116000"/>
+              </a:schemeClr>
+            </a:duotone>
+          </a:blip>
+          <a:stretch/>
+        </a:blipFill>
+        <a:effectLst/>
+      </p:bgPr>
+    </p:bg>
+    <p:spTree>
+      <p:nvGrpSpPr>
+        <p:cNvPr id="1" name=""/>
+        <p:cNvGrpSpPr/>
+        <p:nvPr/>
+      </p:nvGrpSpPr>
+      <p:grpSpPr>
+        <a:xfrm>
+          <a:off x="0" y="0"/>
+          <a:ext cx="0" cy="0"/>
+          <a:chOff x="0" y="0"/>
+          <a:chExt cx="0" cy="0"/>
+        </a:xfrm>
+      </p:grpSpPr>
+      <p:sp useBgFill="1">
+        <p:nvSpPr>
+          <p:cNvPr id="8" name="Rectangle 7">
+            <a:extLst>
+              <a:ext uri="{FF2B5EF4-FFF2-40B4-BE49-F238E27FC236}">
+                <a16:creationId xmlns:a16="http://schemas.microsoft.com/office/drawing/2014/main" id="{3BFBA67F-0D4D-4C2E-A1D7-82D080A4B3AD}"/>
+              </a:ext>
+              <a:ext uri="{C183D7F6-B498-43B3-948B-1728B52AA6E4}">
+                <adec:decorative xmlns:adec="http://schemas.microsoft.com/office/drawing/2017/decorative" val="1"/>
+              </a:ext>
+            </a:extLst>
+          </p:cNvPr>
+          <p:cNvSpPr>
+            <a:spLocks noGrp="1" noRot="1" noChangeAspect="1" noMove="1" noResize="1" noEditPoints="1" noAdjustHandles="1" noChangeArrowheads="1" noChangeShapeType="1" noTextEdit="1"/>
+          </p:cNvSpPr>
+          <p:nvPr>
+            <p:extLst>
+              <p:ext uri="{386F3935-93C4-4BCD-93E2-E3B085C9AB24}">
+                <p16:designElem xmlns:p16="http://schemas.microsoft.com/office/powerpoint/2015/main" val="1"/>
+              </p:ext>
+            </p:extLst>
+          </p:nvPr>
+        </p:nvSpPr>
+        <p:spPr>
+          <a:xfrm>
+            <a:off x="0" y="0"/>
+            <a:ext cx="12192000" cy="6858000"/>
+          </a:xfrm>
+          <a:prstGeom prst="rect">
+            <a:avLst/>
+          </a:prstGeom>
+          <a:ln>
+            <a:noFill/>
+          </a:ln>
+        </p:spPr>
+        <p:style>
+          <a:lnRef idx="2">
+            <a:schemeClr val="accent1">
+              <a:shade val="50000"/>
+            </a:schemeClr>
+          </a:lnRef>
+          <a:fillRef idx="1">
+            <a:schemeClr val="accent1"/>
+          </a:fillRef>
+          <a:effectRef idx="0">
+            <a:schemeClr val="accent1"/>
+          </a:effectRef>
+          <a:fontRef idx="minor">
+            <a:schemeClr val="lt1"/>
+          </a:fontRef>
+        </p:style>
+        <p:txBody>
+          <a:bodyPr rtlCol="0" anchor="ctr"/>
+          <a:lstStyle/>
+          <a:p>
+            <a:pPr algn="ctr"/>
+            <a:endParaRPr lang="en-US"/>
+          </a:p>
+        </p:txBody>
+      </p:sp>
+      <p:sp>
+        <p:nvSpPr>
+          <p:cNvPr id="2" name="כותרת 1">
+            <a:extLst>
+              <a:ext uri="{FF2B5EF4-FFF2-40B4-BE49-F238E27FC236}">
+                <a16:creationId xmlns:a16="http://schemas.microsoft.com/office/drawing/2014/main" id="{D8B5AC4C-BAFA-4D9D-9FE4-D33C3994D036}"/>
+              </a:ext>
+            </a:extLst>
+          </p:cNvPr>
+          <p:cNvSpPr>
+            <a:spLocks noGrp="1"/>
+          </p:cNvSpPr>
+          <p:nvPr>
+            <p:ph type="title"/>
+          </p:nvPr>
+        </p:nvSpPr>
+        <p:spPr>
+          <a:xfrm>
+            <a:off x="913795" y="609600"/>
+            <a:ext cx="10353761" cy="1326321"/>
+          </a:xfrm>
+        </p:spPr>
+        <p:txBody>
+          <a:bodyPr>
+            <a:normAutofit/>
+          </a:bodyPr>
+          <a:lstStyle/>
+          <a:p>
+            <a:r>
+              <a:rPr lang="en-US" dirty="0"/>
+              <a:t>SPA – single page application</a:t>
+            </a:r>
+            <a:endParaRPr lang="he-IL" dirty="0"/>
+          </a:p>
+        </p:txBody>
+      </p:sp>
+      <p:sp>
+        <p:nvSpPr>
+          <p:cNvPr id="10" name="Rectangle 9">
+            <a:extLst>
+              <a:ext uri="{FF2B5EF4-FFF2-40B4-BE49-F238E27FC236}">
+                <a16:creationId xmlns:a16="http://schemas.microsoft.com/office/drawing/2014/main" id="{EFA2AC96-1E47-421C-A03F-F98E354EB4E6}"/>
+              </a:ext>
+              <a:ext uri="{C183D7F6-B498-43B3-948B-1728B52AA6E4}">
+                <adec:decorative xmlns:adec="http://schemas.microsoft.com/office/drawing/2017/decorative" val="1"/>
+              </a:ext>
+            </a:extLst>
+          </p:cNvPr>
+          <p:cNvSpPr>
+            <a:spLocks noGrp="1" noRot="1" noChangeAspect="1" noMove="1" noResize="1" noEditPoints="1" noAdjustHandles="1" noChangeArrowheads="1" noChangeShapeType="1" noTextEdit="1"/>
+          </p:cNvSpPr>
+          <p:nvPr>
+            <p:extLst>
+              <p:ext uri="{386F3935-93C4-4BCD-93E2-E3B085C9AB24}">
+                <p16:designElem xmlns:p16="http://schemas.microsoft.com/office/powerpoint/2015/main" val="1"/>
+              </p:ext>
+            </p:extLst>
+          </p:nvPr>
+        </p:nvSpPr>
+        <p:spPr>
+          <a:xfrm>
+            <a:off x="0" y="2095500"/>
+            <a:ext cx="12192000" cy="4762500"/>
+          </a:xfrm>
+          <a:prstGeom prst="rect">
+            <a:avLst/>
+          </a:prstGeom>
+          <a:solidFill>
+            <a:schemeClr val="bg1">
+              <a:alpha val="50000"/>
+            </a:schemeClr>
+          </a:solidFill>
+          <a:ln>
+            <a:noFill/>
+          </a:ln>
+        </p:spPr>
+        <p:style>
+          <a:lnRef idx="2">
+            <a:schemeClr val="accent1">
+              <a:shade val="50000"/>
+            </a:schemeClr>
+          </a:lnRef>
+          <a:fillRef idx="1001">
+            <a:schemeClr val="dk1"/>
+          </a:fillRef>
+          <a:effectRef idx="0">
+            <a:schemeClr val="accent1"/>
+          </a:effectRef>
+          <a:fontRef idx="minor">
+            <a:schemeClr val="lt1"/>
+          </a:fontRef>
+        </p:style>
+        <p:txBody>
+          <a:bodyPr rtlCol="0" anchor="ctr"/>
+          <a:lstStyle/>
+          <a:p>
+            <a:pPr algn="ctr"/>
+            <a:endParaRPr lang="en-US"/>
+          </a:p>
+        </p:txBody>
+      </p:sp>
+      <p:sp>
+        <p:nvSpPr>
+          <p:cNvPr id="3" name="מציין מיקום תוכן 2">
+            <a:extLst>
+              <a:ext uri="{FF2B5EF4-FFF2-40B4-BE49-F238E27FC236}">
+                <a16:creationId xmlns:a16="http://schemas.microsoft.com/office/drawing/2014/main" id="{4262EEE1-9639-44BA-B094-9B1891A0B684}"/>
+              </a:ext>
+            </a:extLst>
+          </p:cNvPr>
+          <p:cNvSpPr>
+            <a:spLocks noGrp="1"/>
+          </p:cNvSpPr>
+          <p:nvPr>
+            <p:ph idx="1"/>
+          </p:nvPr>
+        </p:nvSpPr>
+        <p:spPr>
+          <a:xfrm>
+            <a:off x="1466850" y="2463800"/>
+            <a:ext cx="9247652" cy="3327400"/>
+          </a:xfrm>
+        </p:spPr>
+        <p:txBody>
+          <a:bodyPr>
+            <a:normAutofit/>
+          </a:bodyPr>
+          <a:lstStyle/>
+          <a:p>
+            <a:endParaRPr lang="he-IL" dirty="0"/>
+          </a:p>
+        </p:txBody>
+      </p:sp>
+      <p:sp>
+        <p:nvSpPr>
+          <p:cNvPr id="4" name="מלבן 3">
+            <a:extLst>
+              <a:ext uri="{FF2B5EF4-FFF2-40B4-BE49-F238E27FC236}">
+                <a16:creationId xmlns:a16="http://schemas.microsoft.com/office/drawing/2014/main" id="{2109E420-CCE5-4496-B803-89F9E5D208FA}"/>
+              </a:ext>
+            </a:extLst>
+          </p:cNvPr>
+          <p:cNvSpPr/>
+          <p:nvPr/>
+        </p:nvSpPr>
+        <p:spPr>
+          <a:xfrm>
+            <a:off x="858374" y="4440996"/>
+            <a:ext cx="1241889" cy="1945517"/>
+          </a:xfrm>
+          <a:prstGeom prst="rect">
+            <a:avLst/>
+          </a:prstGeom>
+        </p:spPr>
+        <p:style>
+          <a:lnRef idx="2">
+            <a:schemeClr val="accent1">
+              <a:shade val="50000"/>
+            </a:schemeClr>
+          </a:lnRef>
+          <a:fillRef idx="1">
+            <a:schemeClr val="accent1"/>
+          </a:fillRef>
+          <a:effectRef idx="0">
+            <a:schemeClr val="accent1"/>
+          </a:effectRef>
+          <a:fontRef idx="minor">
+            <a:schemeClr val="lt1"/>
+          </a:fontRef>
+        </p:style>
+        <p:txBody>
+          <a:bodyPr rtlCol="1" anchor="ctr"/>
+          <a:lstStyle/>
+          <a:p>
+            <a:pPr algn="ctr"/>
+            <a:r>
+              <a:rPr lang="en-US" dirty="0"/>
+              <a:t>Page 1</a:t>
+            </a:r>
+            <a:endParaRPr lang="he-IL" dirty="0"/>
+          </a:p>
+        </p:txBody>
+      </p:sp>
+      <p:sp>
+        <p:nvSpPr>
+          <p:cNvPr id="5" name="תרשים זרימה: דיסק מגנטי 4">
+            <a:extLst>
+              <a:ext uri="{FF2B5EF4-FFF2-40B4-BE49-F238E27FC236}">
+                <a16:creationId xmlns:a16="http://schemas.microsoft.com/office/drawing/2014/main" id="{F084A738-B63B-45E7-9C83-D1330E6B0BE9}"/>
+              </a:ext>
+            </a:extLst>
+          </p:cNvPr>
+          <p:cNvSpPr/>
+          <p:nvPr/>
+        </p:nvSpPr>
+        <p:spPr>
+          <a:xfrm>
+            <a:off x="2314575" y="1935921"/>
+            <a:ext cx="914400" cy="1178754"/>
+          </a:xfrm>
+          <a:prstGeom prst="flowChartMagneticDisk">
+            <a:avLst/>
+          </a:prstGeom>
+        </p:spPr>
+        <p:style>
+          <a:lnRef idx="2">
+            <a:schemeClr val="accent1">
+              <a:shade val="50000"/>
+            </a:schemeClr>
+          </a:lnRef>
+          <a:fillRef idx="1">
+            <a:schemeClr val="accent1"/>
+          </a:fillRef>
+          <a:effectRef idx="0">
+            <a:schemeClr val="accent1"/>
+          </a:effectRef>
+          <a:fontRef idx="minor">
+            <a:schemeClr val="lt1"/>
+          </a:fontRef>
+        </p:style>
+        <p:txBody>
+          <a:bodyPr rtlCol="1" anchor="ctr"/>
+          <a:lstStyle/>
+          <a:p>
+            <a:pPr algn="ctr"/>
+            <a:endParaRPr lang="he-IL"/>
+          </a:p>
+        </p:txBody>
+      </p:sp>
+      <p:cxnSp>
+        <p:nvCxnSpPr>
+          <p:cNvPr id="7" name="מחבר חץ ישר 6">
+            <a:extLst>
+              <a:ext uri="{FF2B5EF4-FFF2-40B4-BE49-F238E27FC236}">
+                <a16:creationId xmlns:a16="http://schemas.microsoft.com/office/drawing/2014/main" id="{18DFD308-52C5-4A17-B3EF-739374523594}"/>
+              </a:ext>
+            </a:extLst>
+          </p:cNvPr>
+          <p:cNvCxnSpPr>
+            <a:stCxn id="5" idx="3"/>
+            <a:endCxn id="4" idx="0"/>
+          </p:cNvCxnSpPr>
+          <p:nvPr/>
+        </p:nvCxnSpPr>
+        <p:spPr>
+          <a:xfrm flipH="1">
+            <a:off x="1479319" y="3114675"/>
+            <a:ext cx="1292456" cy="1326321"/>
+          </a:xfrm>
+          <a:prstGeom prst="straightConnector1">
+            <a:avLst/>
+          </a:prstGeom>
+          <a:ln>
+            <a:tailEnd type="triangle"/>
+          </a:ln>
+        </p:spPr>
+        <p:style>
+          <a:lnRef idx="1">
+            <a:schemeClr val="accent1"/>
+          </a:lnRef>
+          <a:fillRef idx="0">
+            <a:schemeClr val="accent1"/>
+          </a:fillRef>
+          <a:effectRef idx="0">
+            <a:schemeClr val="accent1"/>
+          </a:effectRef>
+          <a:fontRef idx="minor">
+            <a:schemeClr val="tx1"/>
+          </a:fontRef>
+        </p:style>
+      </p:cxnSp>
+    </p:spTree>
+    <p:extLst>
+      <p:ext uri="{BB962C8B-B14F-4D97-AF65-F5344CB8AC3E}">
+        <p14:creationId xmlns:p14="http://schemas.microsoft.com/office/powerpoint/2010/main" val="3201305984"/>
+      </p:ext>
+    </p:extLst>
+  </p:cSld>
+  <p:clrMapOvr>
+    <a:masterClrMapping/>
+  </p:clrMapOvr>
+</p:sld>
+</file>
+
+<file path=ppt/slides/slide20.xml><?xml version="1.0" encoding="utf-8"?>
 <p:sld xmlns:a="http://schemas.openxmlformats.org/drawingml/2006/main" xmlns:r="http://schemas.openxmlformats.org/officeDocument/2006/relationships" xmlns:p="http://schemas.openxmlformats.org/presentationml/2006/main">
   <p:cSld>
     <p:spTree>
@@ -12079,390 +13440,7 @@
 </p:sld>
 </file>
 
-<file path=ppt/slides/slide2.xml><?xml version="1.0" encoding="utf-8"?>
-<p:sld xmlns:a="http://schemas.openxmlformats.org/drawingml/2006/main" xmlns:r="http://schemas.openxmlformats.org/officeDocument/2006/relationships" xmlns:p="http://schemas.openxmlformats.org/presentationml/2006/main">
-  <p:cSld>
-    <p:bg>
-      <p:bgPr>
-        <a:blipFill rotWithShape="1">
-          <a:blip r:embed="rId2">
-            <a:duotone>
-              <a:schemeClr val="bg2">
-                <a:shade val="18000"/>
-                <a:satMod val="160000"/>
-                <a:lumMod val="28000"/>
-              </a:schemeClr>
-              <a:schemeClr val="bg2">
-                <a:tint val="95000"/>
-                <a:satMod val="160000"/>
-                <a:lumMod val="116000"/>
-              </a:schemeClr>
-            </a:duotone>
-          </a:blip>
-          <a:stretch/>
-        </a:blipFill>
-        <a:effectLst/>
-      </p:bgPr>
-    </p:bg>
-    <p:spTree>
-      <p:nvGrpSpPr>
-        <p:cNvPr id="1" name=""/>
-        <p:cNvGrpSpPr/>
-        <p:nvPr/>
-      </p:nvGrpSpPr>
-      <p:grpSpPr>
-        <a:xfrm>
-          <a:off x="0" y="0"/>
-          <a:ext cx="0" cy="0"/>
-          <a:chOff x="0" y="0"/>
-          <a:chExt cx="0" cy="0"/>
-        </a:xfrm>
-      </p:grpSpPr>
-      <p:sp useBgFill="1">
-        <p:nvSpPr>
-          <p:cNvPr id="8" name="Rectangle 7">
-            <a:extLst>
-              <a:ext uri="{FF2B5EF4-FFF2-40B4-BE49-F238E27FC236}">
-                <a16:creationId xmlns:a16="http://schemas.microsoft.com/office/drawing/2014/main" id="{3BFBA67F-0D4D-4C2E-A1D7-82D080A4B3AD}"/>
-              </a:ext>
-              <a:ext uri="{C183D7F6-B498-43B3-948B-1728B52AA6E4}">
-                <adec:decorative xmlns:adec="http://schemas.microsoft.com/office/drawing/2017/decorative" val="1"/>
-              </a:ext>
-            </a:extLst>
-          </p:cNvPr>
-          <p:cNvSpPr>
-            <a:spLocks noGrp="1" noRot="1" noChangeAspect="1" noMove="1" noResize="1" noEditPoints="1" noAdjustHandles="1" noChangeArrowheads="1" noChangeShapeType="1" noTextEdit="1"/>
-          </p:cNvSpPr>
-          <p:nvPr>
-            <p:extLst>
-              <p:ext uri="{386F3935-93C4-4BCD-93E2-E3B085C9AB24}">
-                <p16:designElem xmlns:p16="http://schemas.microsoft.com/office/powerpoint/2015/main" val="1"/>
-              </p:ext>
-            </p:extLst>
-          </p:nvPr>
-        </p:nvSpPr>
-        <p:spPr>
-          <a:xfrm>
-            <a:off x="0" y="0"/>
-            <a:ext cx="12192000" cy="6858000"/>
-          </a:xfrm>
-          <a:prstGeom prst="rect">
-            <a:avLst/>
-          </a:prstGeom>
-          <a:ln>
-            <a:noFill/>
-          </a:ln>
-        </p:spPr>
-        <p:style>
-          <a:lnRef idx="2">
-            <a:schemeClr val="accent1">
-              <a:shade val="50000"/>
-            </a:schemeClr>
-          </a:lnRef>
-          <a:fillRef idx="1">
-            <a:schemeClr val="accent1"/>
-          </a:fillRef>
-          <a:effectRef idx="0">
-            <a:schemeClr val="accent1"/>
-          </a:effectRef>
-          <a:fontRef idx="minor">
-            <a:schemeClr val="lt1"/>
-          </a:fontRef>
-        </p:style>
-        <p:txBody>
-          <a:bodyPr rtlCol="0" anchor="ctr"/>
-          <a:lstStyle/>
-          <a:p>
-            <a:pPr algn="ctr"/>
-            <a:endParaRPr lang="en-US"/>
-          </a:p>
-        </p:txBody>
-      </p:sp>
-      <p:sp>
-        <p:nvSpPr>
-          <p:cNvPr id="2" name="כותרת 1">
-            <a:extLst>
-              <a:ext uri="{FF2B5EF4-FFF2-40B4-BE49-F238E27FC236}">
-                <a16:creationId xmlns:a16="http://schemas.microsoft.com/office/drawing/2014/main" id="{D8B5AC4C-BAFA-4D9D-9FE4-D33C3994D036}"/>
-              </a:ext>
-            </a:extLst>
-          </p:cNvPr>
-          <p:cNvSpPr>
-            <a:spLocks noGrp="1"/>
-          </p:cNvSpPr>
-          <p:nvPr>
-            <p:ph type="title"/>
-          </p:nvPr>
-        </p:nvSpPr>
-        <p:spPr>
-          <a:xfrm>
-            <a:off x="913795" y="609600"/>
-            <a:ext cx="10353761" cy="1326321"/>
-          </a:xfrm>
-        </p:spPr>
-        <p:txBody>
-          <a:bodyPr>
-            <a:normAutofit/>
-          </a:bodyPr>
-          <a:lstStyle/>
-          <a:p>
-            <a:r>
-              <a:rPr lang="en-US" dirty="0"/>
-              <a:t>SPA – single page application</a:t>
-            </a:r>
-            <a:endParaRPr lang="he-IL" dirty="0"/>
-          </a:p>
-        </p:txBody>
-      </p:sp>
-      <p:sp>
-        <p:nvSpPr>
-          <p:cNvPr id="10" name="Rectangle 9">
-            <a:extLst>
-              <a:ext uri="{FF2B5EF4-FFF2-40B4-BE49-F238E27FC236}">
-                <a16:creationId xmlns:a16="http://schemas.microsoft.com/office/drawing/2014/main" id="{EFA2AC96-1E47-421C-A03F-F98E354EB4E6}"/>
-              </a:ext>
-              <a:ext uri="{C183D7F6-B498-43B3-948B-1728B52AA6E4}">
-                <adec:decorative xmlns:adec="http://schemas.microsoft.com/office/drawing/2017/decorative" val="1"/>
-              </a:ext>
-            </a:extLst>
-          </p:cNvPr>
-          <p:cNvSpPr>
-            <a:spLocks noGrp="1" noRot="1" noChangeAspect="1" noMove="1" noResize="1" noEditPoints="1" noAdjustHandles="1" noChangeArrowheads="1" noChangeShapeType="1" noTextEdit="1"/>
-          </p:cNvSpPr>
-          <p:nvPr>
-            <p:extLst>
-              <p:ext uri="{386F3935-93C4-4BCD-93E2-E3B085C9AB24}">
-                <p16:designElem xmlns:p16="http://schemas.microsoft.com/office/powerpoint/2015/main" val="1"/>
-              </p:ext>
-            </p:extLst>
-          </p:nvPr>
-        </p:nvSpPr>
-        <p:spPr>
-          <a:xfrm>
-            <a:off x="0" y="2095500"/>
-            <a:ext cx="12192000" cy="4762500"/>
-          </a:xfrm>
-          <a:prstGeom prst="rect">
-            <a:avLst/>
-          </a:prstGeom>
-          <a:solidFill>
-            <a:schemeClr val="bg1">
-              <a:alpha val="50000"/>
-            </a:schemeClr>
-          </a:solidFill>
-          <a:ln>
-            <a:noFill/>
-          </a:ln>
-        </p:spPr>
-        <p:style>
-          <a:lnRef idx="2">
-            <a:schemeClr val="accent1">
-              <a:shade val="50000"/>
-            </a:schemeClr>
-          </a:lnRef>
-          <a:fillRef idx="1001">
-            <a:schemeClr val="dk1"/>
-          </a:fillRef>
-          <a:effectRef idx="0">
-            <a:schemeClr val="accent1"/>
-          </a:effectRef>
-          <a:fontRef idx="minor">
-            <a:schemeClr val="lt1"/>
-          </a:fontRef>
-        </p:style>
-        <p:txBody>
-          <a:bodyPr rtlCol="0" anchor="ctr"/>
-          <a:lstStyle/>
-          <a:p>
-            <a:pPr algn="ctr"/>
-            <a:endParaRPr lang="en-US"/>
-          </a:p>
-        </p:txBody>
-      </p:sp>
-      <p:sp>
-        <p:nvSpPr>
-          <p:cNvPr id="3" name="מציין מיקום תוכן 2">
-            <a:extLst>
-              <a:ext uri="{FF2B5EF4-FFF2-40B4-BE49-F238E27FC236}">
-                <a16:creationId xmlns:a16="http://schemas.microsoft.com/office/drawing/2014/main" id="{4262EEE1-9639-44BA-B094-9B1891A0B684}"/>
-              </a:ext>
-            </a:extLst>
-          </p:cNvPr>
-          <p:cNvSpPr>
-            <a:spLocks noGrp="1"/>
-          </p:cNvSpPr>
-          <p:nvPr>
-            <p:ph idx="1"/>
-          </p:nvPr>
-        </p:nvSpPr>
-        <p:spPr>
-          <a:xfrm>
-            <a:off x="1466850" y="2463800"/>
-            <a:ext cx="9247652" cy="3327400"/>
-          </a:xfrm>
-        </p:spPr>
-        <p:txBody>
-          <a:bodyPr>
-            <a:normAutofit/>
-          </a:bodyPr>
-          <a:lstStyle/>
-          <a:p>
-            <a:endParaRPr lang="he-IL" dirty="0"/>
-          </a:p>
-        </p:txBody>
-      </p:sp>
-      <p:sp>
-        <p:nvSpPr>
-          <p:cNvPr id="4" name="מלבן 3">
-            <a:extLst>
-              <a:ext uri="{FF2B5EF4-FFF2-40B4-BE49-F238E27FC236}">
-                <a16:creationId xmlns:a16="http://schemas.microsoft.com/office/drawing/2014/main" id="{2109E420-CCE5-4496-B803-89F9E5D208FA}"/>
-              </a:ext>
-            </a:extLst>
-          </p:cNvPr>
-          <p:cNvSpPr/>
-          <p:nvPr/>
-        </p:nvSpPr>
-        <p:spPr>
-          <a:xfrm>
-            <a:off x="858374" y="4440996"/>
-            <a:ext cx="1241889" cy="1945517"/>
-          </a:xfrm>
-          <a:prstGeom prst="rect">
-            <a:avLst/>
-          </a:prstGeom>
-        </p:spPr>
-        <p:style>
-          <a:lnRef idx="2">
-            <a:schemeClr val="accent1">
-              <a:shade val="50000"/>
-            </a:schemeClr>
-          </a:lnRef>
-          <a:fillRef idx="1">
-            <a:schemeClr val="accent1"/>
-          </a:fillRef>
-          <a:effectRef idx="0">
-            <a:schemeClr val="accent1"/>
-          </a:effectRef>
-          <a:fontRef idx="minor">
-            <a:schemeClr val="lt1"/>
-          </a:fontRef>
-        </p:style>
-        <p:txBody>
-          <a:bodyPr rtlCol="1" anchor="ctr"/>
-          <a:lstStyle/>
-          <a:p>
-            <a:pPr algn="ctr"/>
-            <a:r>
-              <a:rPr lang="en-US" dirty="0"/>
-              <a:t>Page 1</a:t>
-            </a:r>
-            <a:endParaRPr lang="he-IL" dirty="0"/>
-          </a:p>
-        </p:txBody>
-      </p:sp>
-      <p:sp>
-        <p:nvSpPr>
-          <p:cNvPr id="5" name="תרשים זרימה: דיסק מגנטי 4">
-            <a:extLst>
-              <a:ext uri="{FF2B5EF4-FFF2-40B4-BE49-F238E27FC236}">
-                <a16:creationId xmlns:a16="http://schemas.microsoft.com/office/drawing/2014/main" id="{F084A738-B63B-45E7-9C83-D1330E6B0BE9}"/>
-              </a:ext>
-            </a:extLst>
-          </p:cNvPr>
-          <p:cNvSpPr/>
-          <p:nvPr/>
-        </p:nvSpPr>
-        <p:spPr>
-          <a:xfrm>
-            <a:off x="2314575" y="1935921"/>
-            <a:ext cx="914400" cy="1178754"/>
-          </a:xfrm>
-          <a:prstGeom prst="flowChartMagneticDisk">
-            <a:avLst/>
-          </a:prstGeom>
-        </p:spPr>
-        <p:style>
-          <a:lnRef idx="2">
-            <a:schemeClr val="accent1">
-              <a:shade val="50000"/>
-            </a:schemeClr>
-          </a:lnRef>
-          <a:fillRef idx="1">
-            <a:schemeClr val="accent1"/>
-          </a:fillRef>
-          <a:effectRef idx="0">
-            <a:schemeClr val="accent1"/>
-          </a:effectRef>
-          <a:fontRef idx="minor">
-            <a:schemeClr val="lt1"/>
-          </a:fontRef>
-        </p:style>
-        <p:txBody>
-          <a:bodyPr rtlCol="1" anchor="ctr"/>
-          <a:lstStyle/>
-          <a:p>
-            <a:pPr algn="ctr"/>
-            <a:endParaRPr lang="he-IL"/>
-          </a:p>
-        </p:txBody>
-      </p:sp>
-      <p:cxnSp>
-        <p:nvCxnSpPr>
-          <p:cNvPr id="7" name="מחבר חץ ישר 6">
-            <a:extLst>
-              <a:ext uri="{FF2B5EF4-FFF2-40B4-BE49-F238E27FC236}">
-                <a16:creationId xmlns:a16="http://schemas.microsoft.com/office/drawing/2014/main" id="{18DFD308-52C5-4A17-B3EF-739374523594}"/>
-              </a:ext>
-            </a:extLst>
-          </p:cNvPr>
-          <p:cNvCxnSpPr>
-            <a:stCxn id="5" idx="3"/>
-            <a:endCxn id="4" idx="0"/>
-          </p:cNvCxnSpPr>
-          <p:nvPr/>
-        </p:nvCxnSpPr>
-        <p:spPr>
-          <a:xfrm flipH="1">
-            <a:off x="1479319" y="3114675"/>
-            <a:ext cx="1292456" cy="1326321"/>
-          </a:xfrm>
-          <a:prstGeom prst="straightConnector1">
-            <a:avLst/>
-          </a:prstGeom>
-          <a:ln>
-            <a:tailEnd type="triangle"/>
-          </a:ln>
-        </p:spPr>
-        <p:style>
-          <a:lnRef idx="1">
-            <a:schemeClr val="accent1"/>
-          </a:lnRef>
-          <a:fillRef idx="0">
-            <a:schemeClr val="accent1"/>
-          </a:fillRef>
-          <a:effectRef idx="0">
-            <a:schemeClr val="accent1"/>
-          </a:effectRef>
-          <a:fontRef idx="minor">
-            <a:schemeClr val="tx1"/>
-          </a:fontRef>
-        </p:style>
-      </p:cxnSp>
-    </p:spTree>
-    <p:extLst>
-      <p:ext uri="{BB962C8B-B14F-4D97-AF65-F5344CB8AC3E}">
-        <p14:creationId xmlns:p14="http://schemas.microsoft.com/office/powerpoint/2010/main" val="3201305984"/>
-      </p:ext>
-    </p:extLst>
-  </p:cSld>
-  <p:clrMapOvr>
-    <a:masterClrMapping/>
-  </p:clrMapOvr>
-</p:sld>
-</file>
-
-<file path=ppt/slides/slide20.xml><?xml version="1.0" encoding="utf-8"?>
+<file path=ppt/slides/slide21.xml><?xml version="1.0" encoding="utf-8"?>
 <p:sld xmlns:a="http://schemas.openxmlformats.org/drawingml/2006/main" xmlns:r="http://schemas.openxmlformats.org/officeDocument/2006/relationships" xmlns:p="http://schemas.openxmlformats.org/presentationml/2006/main">
   <p:cSld>
     <p:spTree>
@@ -12603,7 +13581,7 @@
 </p:sld>
 </file>
 
-<file path=ppt/slides/slide21.xml><?xml version="1.0" encoding="utf-8"?>
+<file path=ppt/slides/slide22.xml><?xml version="1.0" encoding="utf-8"?>
 <p:sld xmlns:a="http://schemas.openxmlformats.org/drawingml/2006/main" xmlns:r="http://schemas.openxmlformats.org/officeDocument/2006/relationships" xmlns:p="http://schemas.openxmlformats.org/presentationml/2006/main">
   <p:cSld>
     <p:spTree>
@@ -14095,14 +15073,12 @@
           </p:cNvPr>
           <p:cNvCxnSpPr>
             <a:cxnSpLocks/>
-            <a:stCxn id="4" idx="0"/>
-            <a:endCxn id="5" idx="3"/>
           </p:cNvCxnSpPr>
           <p:nvPr/>
         </p:nvCxnSpPr>
         <p:spPr>
           <a:xfrm flipV="1">
-            <a:off x="1479319" y="3114675"/>
+            <a:off x="1546556" y="3114675"/>
             <a:ext cx="1292456" cy="1326321"/>
           </a:xfrm>
           <a:prstGeom prst="straightConnector1">
@@ -14490,6 +15466,97 @@
           <a:xfrm>
             <a:off x="2814638" y="2986088"/>
             <a:ext cx="814387" cy="1487037"/>
+          </a:xfrm>
+          <a:prstGeom prst="straightConnector1">
+            <a:avLst/>
+          </a:prstGeom>
+          <a:ln>
+            <a:tailEnd type="triangle"/>
+          </a:ln>
+        </p:spPr>
+        <p:style>
+          <a:lnRef idx="1">
+            <a:schemeClr val="accent1"/>
+          </a:lnRef>
+          <a:fillRef idx="0">
+            <a:schemeClr val="accent1"/>
+          </a:fillRef>
+          <a:effectRef idx="0">
+            <a:schemeClr val="accent1"/>
+          </a:effectRef>
+          <a:fontRef idx="minor">
+            <a:schemeClr val="tx1"/>
+          </a:fontRef>
+        </p:style>
+      </p:cxnSp>
+      <p:sp>
+        <p:nvSpPr>
+          <p:cNvPr id="11" name="מלבן 3">
+            <a:extLst>
+              <a:ext uri="{FF2B5EF4-FFF2-40B4-BE49-F238E27FC236}">
+                <a16:creationId xmlns:a16="http://schemas.microsoft.com/office/drawing/2014/main" id="{5266C377-F1D2-AD48-94E9-5901AB1E7C48}"/>
+              </a:ext>
+            </a:extLst>
+          </p:cNvPr>
+          <p:cNvSpPr/>
+          <p:nvPr/>
+        </p:nvSpPr>
+        <p:spPr>
+          <a:xfrm>
+            <a:off x="858374" y="4440996"/>
+            <a:ext cx="1241889" cy="1945517"/>
+          </a:xfrm>
+          <a:prstGeom prst="rect">
+            <a:avLst/>
+          </a:prstGeom>
+        </p:spPr>
+        <p:style>
+          <a:lnRef idx="2">
+            <a:schemeClr val="accent1">
+              <a:shade val="50000"/>
+            </a:schemeClr>
+          </a:lnRef>
+          <a:fillRef idx="1">
+            <a:schemeClr val="accent1"/>
+          </a:fillRef>
+          <a:effectRef idx="0">
+            <a:schemeClr val="accent1"/>
+          </a:effectRef>
+          <a:fontRef idx="minor">
+            <a:schemeClr val="lt1"/>
+          </a:fontRef>
+        </p:style>
+        <p:txBody>
+          <a:bodyPr rtlCol="1" anchor="ctr"/>
+          <a:lstStyle/>
+          <a:p>
+            <a:pPr algn="ctr"/>
+            <a:r>
+              <a:rPr lang="en-US" dirty="0"/>
+              <a:t>Page 1</a:t>
+            </a:r>
+            <a:endParaRPr lang="he-IL" dirty="0"/>
+          </a:p>
+        </p:txBody>
+      </p:sp>
+      <p:cxnSp>
+        <p:nvCxnSpPr>
+          <p:cNvPr id="13" name="מחבר חץ ישר 6">
+            <a:extLst>
+              <a:ext uri="{FF2B5EF4-FFF2-40B4-BE49-F238E27FC236}">
+                <a16:creationId xmlns:a16="http://schemas.microsoft.com/office/drawing/2014/main" id="{FCC0771C-45E4-0348-A981-19922EA86116}"/>
+              </a:ext>
+            </a:extLst>
+          </p:cNvPr>
+          <p:cNvCxnSpPr>
+            <a:cxnSpLocks/>
+          </p:cNvCxnSpPr>
+          <p:nvPr/>
+        </p:nvCxnSpPr>
+        <p:spPr>
+          <a:xfrm flipV="1">
+            <a:off x="1546556" y="3114675"/>
+            <a:ext cx="1292456" cy="1326321"/>
           </a:xfrm>
           <a:prstGeom prst="straightConnector1">
             <a:avLst/>
@@ -15344,6 +16411,97 @@
           </a:p>
         </p:txBody>
       </p:sp>
+      <p:sp>
+        <p:nvSpPr>
+          <p:cNvPr id="16" name="מלבן 3">
+            <a:extLst>
+              <a:ext uri="{FF2B5EF4-FFF2-40B4-BE49-F238E27FC236}">
+                <a16:creationId xmlns:a16="http://schemas.microsoft.com/office/drawing/2014/main" id="{D5D1F091-6CEB-1A42-990E-790B0C123CD3}"/>
+              </a:ext>
+            </a:extLst>
+          </p:cNvPr>
+          <p:cNvSpPr/>
+          <p:nvPr/>
+        </p:nvSpPr>
+        <p:spPr>
+          <a:xfrm>
+            <a:off x="858374" y="4440996"/>
+            <a:ext cx="1241889" cy="1945517"/>
+          </a:xfrm>
+          <a:prstGeom prst="rect">
+            <a:avLst/>
+          </a:prstGeom>
+        </p:spPr>
+        <p:style>
+          <a:lnRef idx="2">
+            <a:schemeClr val="accent1">
+              <a:shade val="50000"/>
+            </a:schemeClr>
+          </a:lnRef>
+          <a:fillRef idx="1">
+            <a:schemeClr val="accent1"/>
+          </a:fillRef>
+          <a:effectRef idx="0">
+            <a:schemeClr val="accent1"/>
+          </a:effectRef>
+          <a:fontRef idx="minor">
+            <a:schemeClr val="lt1"/>
+          </a:fontRef>
+        </p:style>
+        <p:txBody>
+          <a:bodyPr rtlCol="1" anchor="ctr"/>
+          <a:lstStyle/>
+          <a:p>
+            <a:pPr algn="ctr"/>
+            <a:r>
+              <a:rPr lang="en-US" dirty="0"/>
+              <a:t>Page 1</a:t>
+            </a:r>
+            <a:endParaRPr lang="he-IL" dirty="0"/>
+          </a:p>
+        </p:txBody>
+      </p:sp>
+      <p:cxnSp>
+        <p:nvCxnSpPr>
+          <p:cNvPr id="22" name="מחבר חץ ישר 6">
+            <a:extLst>
+              <a:ext uri="{FF2B5EF4-FFF2-40B4-BE49-F238E27FC236}">
+                <a16:creationId xmlns:a16="http://schemas.microsoft.com/office/drawing/2014/main" id="{9A2FC86C-C8A1-0A47-9109-39260BAB5ABE}"/>
+              </a:ext>
+            </a:extLst>
+          </p:cNvPr>
+          <p:cNvCxnSpPr>
+            <a:cxnSpLocks/>
+          </p:cNvCxnSpPr>
+          <p:nvPr/>
+        </p:nvCxnSpPr>
+        <p:spPr>
+          <a:xfrm flipV="1">
+            <a:off x="1546556" y="3114675"/>
+            <a:ext cx="1292456" cy="1326321"/>
+          </a:xfrm>
+          <a:prstGeom prst="straightConnector1">
+            <a:avLst/>
+          </a:prstGeom>
+          <a:ln>
+            <a:tailEnd type="triangle"/>
+          </a:ln>
+        </p:spPr>
+        <p:style>
+          <a:lnRef idx="1">
+            <a:schemeClr val="accent1"/>
+          </a:lnRef>
+          <a:fillRef idx="0">
+            <a:schemeClr val="accent1"/>
+          </a:fillRef>
+          <a:effectRef idx="0">
+            <a:schemeClr val="accent1"/>
+          </a:effectRef>
+          <a:fontRef idx="minor">
+            <a:schemeClr val="tx1"/>
+          </a:fontRef>
+        </p:style>
+      </p:cxnSp>
     </p:spTree>
     <p:extLst>
       <p:ext uri="{BB962C8B-B14F-4D97-AF65-F5344CB8AC3E}">
@@ -16040,6 +17198,97 @@
           </a:p>
         </p:txBody>
       </p:sp>
+      <p:sp>
+        <p:nvSpPr>
+          <p:cNvPr id="16" name="מלבן 3">
+            <a:extLst>
+              <a:ext uri="{FF2B5EF4-FFF2-40B4-BE49-F238E27FC236}">
+                <a16:creationId xmlns:a16="http://schemas.microsoft.com/office/drawing/2014/main" id="{223274F2-756E-BD49-BDDE-0661E14D509B}"/>
+              </a:ext>
+            </a:extLst>
+          </p:cNvPr>
+          <p:cNvSpPr/>
+          <p:nvPr/>
+        </p:nvSpPr>
+        <p:spPr>
+          <a:xfrm>
+            <a:off x="858374" y="4440996"/>
+            <a:ext cx="1241889" cy="1945517"/>
+          </a:xfrm>
+          <a:prstGeom prst="rect">
+            <a:avLst/>
+          </a:prstGeom>
+        </p:spPr>
+        <p:style>
+          <a:lnRef idx="2">
+            <a:schemeClr val="accent1">
+              <a:shade val="50000"/>
+            </a:schemeClr>
+          </a:lnRef>
+          <a:fillRef idx="1">
+            <a:schemeClr val="accent1"/>
+          </a:fillRef>
+          <a:effectRef idx="0">
+            <a:schemeClr val="accent1"/>
+          </a:effectRef>
+          <a:fontRef idx="minor">
+            <a:schemeClr val="lt1"/>
+          </a:fontRef>
+        </p:style>
+        <p:txBody>
+          <a:bodyPr rtlCol="1" anchor="ctr"/>
+          <a:lstStyle/>
+          <a:p>
+            <a:pPr algn="ctr"/>
+            <a:r>
+              <a:rPr lang="en-US" dirty="0"/>
+              <a:t>Page 1</a:t>
+            </a:r>
+            <a:endParaRPr lang="he-IL" dirty="0"/>
+          </a:p>
+        </p:txBody>
+      </p:sp>
+      <p:cxnSp>
+        <p:nvCxnSpPr>
+          <p:cNvPr id="22" name="מחבר חץ ישר 6">
+            <a:extLst>
+              <a:ext uri="{FF2B5EF4-FFF2-40B4-BE49-F238E27FC236}">
+                <a16:creationId xmlns:a16="http://schemas.microsoft.com/office/drawing/2014/main" id="{FD6D4025-F918-C648-90F6-43313EE8175D}"/>
+              </a:ext>
+            </a:extLst>
+          </p:cNvPr>
+          <p:cNvCxnSpPr>
+            <a:cxnSpLocks/>
+          </p:cNvCxnSpPr>
+          <p:nvPr/>
+        </p:nvCxnSpPr>
+        <p:spPr>
+          <a:xfrm flipV="1">
+            <a:off x="1546556" y="3114675"/>
+            <a:ext cx="1292456" cy="1326321"/>
+          </a:xfrm>
+          <a:prstGeom prst="straightConnector1">
+            <a:avLst/>
+          </a:prstGeom>
+          <a:ln>
+            <a:tailEnd type="triangle"/>
+          </a:ln>
+        </p:spPr>
+        <p:style>
+          <a:lnRef idx="1">
+            <a:schemeClr val="accent1"/>
+          </a:lnRef>
+          <a:fillRef idx="0">
+            <a:schemeClr val="accent1"/>
+          </a:fillRef>
+          <a:effectRef idx="0">
+            <a:schemeClr val="accent1"/>
+          </a:effectRef>
+          <a:fontRef idx="minor">
+            <a:schemeClr val="tx1"/>
+          </a:fontRef>
+        </p:style>
+      </p:cxnSp>
     </p:spTree>
     <p:extLst>
       <p:ext uri="{BB962C8B-B14F-4D97-AF65-F5344CB8AC3E}">
@@ -16774,6 +18023,97 @@
           </a:prstGeom>
         </p:spPr>
       </p:pic>
+      <p:sp>
+        <p:nvSpPr>
+          <p:cNvPr id="22" name="מלבן 3">
+            <a:extLst>
+              <a:ext uri="{FF2B5EF4-FFF2-40B4-BE49-F238E27FC236}">
+                <a16:creationId xmlns:a16="http://schemas.microsoft.com/office/drawing/2014/main" id="{63AA1545-0FDD-EC46-8725-1C74A9571812}"/>
+              </a:ext>
+            </a:extLst>
+          </p:cNvPr>
+          <p:cNvSpPr/>
+          <p:nvPr/>
+        </p:nvSpPr>
+        <p:spPr>
+          <a:xfrm>
+            <a:off x="858374" y="4440996"/>
+            <a:ext cx="1241889" cy="1945517"/>
+          </a:xfrm>
+          <a:prstGeom prst="rect">
+            <a:avLst/>
+          </a:prstGeom>
+        </p:spPr>
+        <p:style>
+          <a:lnRef idx="2">
+            <a:schemeClr val="accent1">
+              <a:shade val="50000"/>
+            </a:schemeClr>
+          </a:lnRef>
+          <a:fillRef idx="1">
+            <a:schemeClr val="accent1"/>
+          </a:fillRef>
+          <a:effectRef idx="0">
+            <a:schemeClr val="accent1"/>
+          </a:effectRef>
+          <a:fontRef idx="minor">
+            <a:schemeClr val="lt1"/>
+          </a:fontRef>
+        </p:style>
+        <p:txBody>
+          <a:bodyPr rtlCol="1" anchor="ctr"/>
+          <a:lstStyle/>
+          <a:p>
+            <a:pPr algn="ctr"/>
+            <a:r>
+              <a:rPr lang="en-US" dirty="0"/>
+              <a:t>Page 1</a:t>
+            </a:r>
+            <a:endParaRPr lang="he-IL" dirty="0"/>
+          </a:p>
+        </p:txBody>
+      </p:sp>
+      <p:cxnSp>
+        <p:nvCxnSpPr>
+          <p:cNvPr id="23" name="מחבר חץ ישר 6">
+            <a:extLst>
+              <a:ext uri="{FF2B5EF4-FFF2-40B4-BE49-F238E27FC236}">
+                <a16:creationId xmlns:a16="http://schemas.microsoft.com/office/drawing/2014/main" id="{28F3310B-335F-E940-8532-93C12692A99B}"/>
+              </a:ext>
+            </a:extLst>
+          </p:cNvPr>
+          <p:cNvCxnSpPr>
+            <a:cxnSpLocks/>
+          </p:cNvCxnSpPr>
+          <p:nvPr/>
+        </p:nvCxnSpPr>
+        <p:spPr>
+          <a:xfrm flipV="1">
+            <a:off x="1546556" y="3114675"/>
+            <a:ext cx="1292456" cy="1326321"/>
+          </a:xfrm>
+          <a:prstGeom prst="straightConnector1">
+            <a:avLst/>
+          </a:prstGeom>
+          <a:ln>
+            <a:tailEnd type="triangle"/>
+          </a:ln>
+        </p:spPr>
+        <p:style>
+          <a:lnRef idx="1">
+            <a:schemeClr val="accent1"/>
+          </a:lnRef>
+          <a:fillRef idx="0">
+            <a:schemeClr val="accent1"/>
+          </a:fillRef>
+          <a:effectRef idx="0">
+            <a:schemeClr val="accent1"/>
+          </a:effectRef>
+          <a:fontRef idx="minor">
+            <a:schemeClr val="tx1"/>
+          </a:fontRef>
+        </p:style>
+      </p:cxnSp>
     </p:spTree>
     <p:extLst>
       <p:ext uri="{BB962C8B-B14F-4D97-AF65-F5344CB8AC3E}">
@@ -18086,99 +19426,6 @@
       </p:grpSp>
       <p:sp>
         <p:nvSpPr>
-          <p:cNvPr id="22" name="תרשים זרימה: דיסק מגנטי 21">
-            <a:extLst>
-              <a:ext uri="{FF2B5EF4-FFF2-40B4-BE49-F238E27FC236}">
-                <a16:creationId xmlns:a16="http://schemas.microsoft.com/office/drawing/2014/main" id="{A2026437-4DD2-4487-9691-A1DED43667F5}"/>
-              </a:ext>
-            </a:extLst>
-          </p:cNvPr>
-          <p:cNvSpPr/>
-          <p:nvPr/>
-        </p:nvSpPr>
-        <p:spPr>
-          <a:xfrm>
-            <a:off x="10843418" y="4785033"/>
-            <a:ext cx="914400" cy="1178754"/>
-          </a:xfrm>
-          <a:prstGeom prst="flowChartMagneticDisk">
-            <a:avLst/>
-          </a:prstGeom>
-        </p:spPr>
-        <p:style>
-          <a:lnRef idx="2">
-            <a:schemeClr val="accent1">
-              <a:shade val="50000"/>
-            </a:schemeClr>
-          </a:lnRef>
-          <a:fillRef idx="1">
-            <a:schemeClr val="accent1"/>
-          </a:fillRef>
-          <a:effectRef idx="0">
-            <a:schemeClr val="accent1"/>
-          </a:effectRef>
-          <a:fontRef idx="minor">
-            <a:schemeClr val="lt1"/>
-          </a:fontRef>
-        </p:style>
-        <p:txBody>
-          <a:bodyPr rtlCol="1" anchor="ctr"/>
-          <a:lstStyle/>
-          <a:p>
-            <a:pPr algn="ctr"/>
-            <a:r>
-              <a:rPr lang="en-US" dirty="0"/>
-              <a:t>app state</a:t>
-            </a:r>
-            <a:endParaRPr lang="he-IL" dirty="0"/>
-          </a:p>
-        </p:txBody>
-      </p:sp>
-      <p:cxnSp>
-        <p:nvCxnSpPr>
-          <p:cNvPr id="12" name="מחבר ישר 11">
-            <a:extLst>
-              <a:ext uri="{FF2B5EF4-FFF2-40B4-BE49-F238E27FC236}">
-                <a16:creationId xmlns:a16="http://schemas.microsoft.com/office/drawing/2014/main" id="{265B348B-434D-499D-867E-E6A3D26D61B2}"/>
-              </a:ext>
-            </a:extLst>
-          </p:cNvPr>
-          <p:cNvCxnSpPr>
-            <a:stCxn id="22" idx="2"/>
-            <a:endCxn id="19" idx="3"/>
-          </p:cNvCxnSpPr>
-          <p:nvPr/>
-        </p:nvCxnSpPr>
-        <p:spPr>
-          <a:xfrm flipH="1">
-            <a:off x="10261598" y="5374410"/>
-            <a:ext cx="581820" cy="3210"/>
-          </a:xfrm>
-          <a:prstGeom prst="line">
-            <a:avLst/>
-          </a:prstGeom>
-          <a:ln>
-            <a:headEnd type="arrow" w="med" len="med"/>
-            <a:tailEnd type="arrow" w="med" len="med"/>
-          </a:ln>
-        </p:spPr>
-        <p:style>
-          <a:lnRef idx="1">
-            <a:schemeClr val="accent1"/>
-          </a:lnRef>
-          <a:fillRef idx="0">
-            <a:schemeClr val="accent1"/>
-          </a:fillRef>
-          <a:effectRef idx="0">
-            <a:schemeClr val="accent1"/>
-          </a:effectRef>
-          <a:fontRef idx="minor">
-            <a:schemeClr val="tx1"/>
-          </a:fontRef>
-        </p:style>
-      </p:cxnSp>
-      <p:sp>
-        <p:nvSpPr>
           <p:cNvPr id="4" name="מלבן 3">
             <a:extLst>
               <a:ext uri="{FF2B5EF4-FFF2-40B4-BE49-F238E27FC236}">
@@ -18421,56 +19668,6 @@
           </a:p>
         </p:txBody>
       </p:sp>
-      <p:sp>
-        <p:nvSpPr>
-          <p:cNvPr id="29" name="תרשים זרימה: דיסק מגנטי 28">
-            <a:extLst>
-              <a:ext uri="{FF2B5EF4-FFF2-40B4-BE49-F238E27FC236}">
-                <a16:creationId xmlns:a16="http://schemas.microsoft.com/office/drawing/2014/main" id="{B2AA0BE5-4DE9-4777-AAF3-C36D19F79BD4}"/>
-              </a:ext>
-            </a:extLst>
-          </p:cNvPr>
-          <p:cNvSpPr/>
-          <p:nvPr/>
-        </p:nvSpPr>
-        <p:spPr>
-          <a:xfrm>
-            <a:off x="10494501" y="3991338"/>
-            <a:ext cx="613571" cy="620684"/>
-          </a:xfrm>
-          <a:prstGeom prst="flowChartMagneticDisk">
-            <a:avLst/>
-          </a:prstGeom>
-        </p:spPr>
-        <p:style>
-          <a:lnRef idx="2">
-            <a:schemeClr val="accent1">
-              <a:shade val="50000"/>
-            </a:schemeClr>
-          </a:lnRef>
-          <a:fillRef idx="1">
-            <a:schemeClr val="accent1"/>
-          </a:fillRef>
-          <a:effectRef idx="0">
-            <a:schemeClr val="accent1"/>
-          </a:effectRef>
-          <a:fontRef idx="minor">
-            <a:schemeClr val="lt1"/>
-          </a:fontRef>
-        </p:style>
-        <p:txBody>
-          <a:bodyPr rtlCol="1" anchor="ctr"/>
-          <a:lstStyle/>
-          <a:p>
-            <a:pPr algn="ctr"/>
-            <a:r>
-              <a:rPr lang="en-US" sz="1100" dirty="0"/>
-              <a:t>Local data</a:t>
-            </a:r>
-            <a:endParaRPr lang="he-IL" sz="1100" dirty="0"/>
-          </a:p>
-        </p:txBody>
-      </p:sp>
       <p:cxnSp>
         <p:nvCxnSpPr>
           <p:cNvPr id="7" name="מחבר ישר 6">
@@ -18490,52 +19687,6 @@
           <a:xfrm flipV="1">
             <a:off x="7998081" y="4656775"/>
             <a:ext cx="1131171" cy="128258"/>
-          </a:xfrm>
-          <a:prstGeom prst="line">
-            <a:avLst/>
-          </a:prstGeom>
-          <a:ln>
-            <a:solidFill>
-              <a:schemeClr val="accent1">
-                <a:lumMod val="50000"/>
-              </a:schemeClr>
-            </a:solidFill>
-          </a:ln>
-        </p:spPr>
-        <p:style>
-          <a:lnRef idx="1">
-            <a:schemeClr val="accent1"/>
-          </a:lnRef>
-          <a:fillRef idx="0">
-            <a:schemeClr val="accent1"/>
-          </a:fillRef>
-          <a:effectRef idx="0">
-            <a:schemeClr val="accent1"/>
-          </a:effectRef>
-          <a:fontRef idx="minor">
-            <a:schemeClr val="tx1"/>
-          </a:fontRef>
-        </p:style>
-      </p:cxnSp>
-      <p:cxnSp>
-        <p:nvCxnSpPr>
-          <p:cNvPr id="15" name="מחבר ישר 14">
-            <a:extLst>
-              <a:ext uri="{FF2B5EF4-FFF2-40B4-BE49-F238E27FC236}">
-                <a16:creationId xmlns:a16="http://schemas.microsoft.com/office/drawing/2014/main" id="{2CBD7B37-1754-4BA0-A980-693810E50789}"/>
-              </a:ext>
-            </a:extLst>
-          </p:cNvPr>
-          <p:cNvCxnSpPr>
-            <a:stCxn id="29" idx="2"/>
-            <a:endCxn id="4" idx="3"/>
-          </p:cNvCxnSpPr>
-          <p:nvPr/>
-        </p:nvCxnSpPr>
-        <p:spPr>
-          <a:xfrm flipH="1">
-            <a:off x="10063163" y="4301680"/>
-            <a:ext cx="431338" cy="355095"/>
           </a:xfrm>
           <a:prstGeom prst="line">
             <a:avLst/>
